--- a/lab02/00-lab02.pptx
+++ b/lab02/00-lab02.pptx
@@ -350,7 +350,7 @@
             <a:fld id="{B61BEF0D-F0BB-DE4B-95CE-6DB70DBA9567}" type="datetimeFigureOut">
               <a:rPr lang="en-US" dirty="0"/>
               <a:pPr/>
-              <a:t>8/25/2021</a:t>
+              <a:t>8/24/2021</a:t>
             </a:fld>
             <a:endParaRPr lang="en-US" dirty="0"/>
           </a:p>
@@ -681,7 +681,7 @@
             <a:fld id="{B61BEF0D-F0BB-DE4B-95CE-6DB70DBA9567}" type="datetimeFigureOut">
               <a:rPr lang="en-US" dirty="0"/>
               <a:pPr/>
-              <a:t>8/25/2021</a:t>
+              <a:t>8/24/2021</a:t>
             </a:fld>
             <a:endParaRPr lang="en-US" dirty="0"/>
           </a:p>
@@ -956,7 +956,7 @@
             <a:fld id="{B61BEF0D-F0BB-DE4B-95CE-6DB70DBA9567}" type="datetimeFigureOut">
               <a:rPr lang="en-US" dirty="0"/>
               <a:pPr/>
-              <a:t>8/25/2021</a:t>
+              <a:t>8/24/2021</a:t>
             </a:fld>
             <a:endParaRPr lang="en-US" dirty="0"/>
           </a:p>
@@ -1521,7 +1521,7 @@
             <a:fld id="{B61BEF0D-F0BB-DE4B-95CE-6DB70DBA9567}" type="datetimeFigureOut">
               <a:rPr lang="en-US" dirty="0"/>
               <a:pPr/>
-              <a:t>8/25/2021</a:t>
+              <a:t>8/24/2021</a:t>
             </a:fld>
             <a:endParaRPr lang="en-US" dirty="0"/>
           </a:p>
@@ -1796,7 +1796,7 @@
             <a:fld id="{B61BEF0D-F0BB-DE4B-95CE-6DB70DBA9567}" type="datetimeFigureOut">
               <a:rPr lang="en-US" dirty="0"/>
               <a:pPr/>
-              <a:t>8/25/2021</a:t>
+              <a:t>8/24/2021</a:t>
             </a:fld>
             <a:endParaRPr lang="en-US" dirty="0"/>
           </a:p>
@@ -2355,7 +2355,7 @@
             <a:fld id="{B61BEF0D-F0BB-DE4B-95CE-6DB70DBA9567}" type="datetimeFigureOut">
               <a:rPr lang="en-US" dirty="0"/>
               <a:pPr/>
-              <a:t>8/25/2021</a:t>
+              <a:t>8/24/2021</a:t>
             </a:fld>
             <a:endParaRPr lang="en-US" dirty="0"/>
           </a:p>
@@ -2679,7 +2679,7 @@
             <a:fld id="{B61BEF0D-F0BB-DE4B-95CE-6DB70DBA9567}" type="datetimeFigureOut">
               <a:rPr lang="en-US" dirty="0"/>
               <a:pPr/>
-              <a:t>8/25/2021</a:t>
+              <a:t>8/24/2021</a:t>
             </a:fld>
             <a:endParaRPr lang="en-US" dirty="0"/>
           </a:p>
@@ -2853,7 +2853,7 @@
             <a:fld id="{B61BEF0D-F0BB-DE4B-95CE-6DB70DBA9567}" type="datetimeFigureOut">
               <a:rPr lang="en-US" dirty="0"/>
               <a:pPr/>
-              <a:t>8/25/2021</a:t>
+              <a:t>8/24/2021</a:t>
             </a:fld>
             <a:endParaRPr lang="en-US" dirty="0"/>
           </a:p>
@@ -3088,7 +3088,7 @@
             <a:fld id="{B61BEF0D-F0BB-DE4B-95CE-6DB70DBA9567}" type="datetimeFigureOut">
               <a:rPr lang="en-US" dirty="0"/>
               <a:pPr/>
-              <a:t>8/25/2021</a:t>
+              <a:t>8/24/2021</a:t>
             </a:fld>
             <a:endParaRPr lang="en-US" dirty="0"/>
           </a:p>
@@ -3285,7 +3285,7 @@
             <a:fld id="{B61BEF0D-F0BB-DE4B-95CE-6DB70DBA9567}" type="datetimeFigureOut">
               <a:rPr lang="en-US" dirty="0"/>
               <a:pPr/>
-              <a:t>8/25/2021</a:t>
+              <a:t>8/24/2021</a:t>
             </a:fld>
             <a:endParaRPr lang="en-US" dirty="0"/>
           </a:p>
@@ -3558,7 +3558,7 @@
             <a:fld id="{B61BEF0D-F0BB-DE4B-95CE-6DB70DBA9567}" type="datetimeFigureOut">
               <a:rPr lang="en-US" dirty="0"/>
               <a:pPr/>
-              <a:t>8/25/2021</a:t>
+              <a:t>8/24/2021</a:t>
             </a:fld>
             <a:endParaRPr lang="en-US" dirty="0"/>
           </a:p>
@@ -3821,7 +3821,7 @@
             <a:fld id="{B61BEF0D-F0BB-DE4B-95CE-6DB70DBA9567}" type="datetimeFigureOut">
               <a:rPr lang="en-US" dirty="0"/>
               <a:pPr/>
-              <a:t>8/25/2021</a:t>
+              <a:t>8/24/2021</a:t>
             </a:fld>
             <a:endParaRPr lang="en-US" dirty="0"/>
           </a:p>
@@ -4192,7 +4192,7 @@
             <a:fld id="{B61BEF0D-F0BB-DE4B-95CE-6DB70DBA9567}" type="datetimeFigureOut">
               <a:rPr lang="en-US" dirty="0"/>
               <a:pPr/>
-              <a:t>8/25/2021</a:t>
+              <a:t>8/24/2021</a:t>
             </a:fld>
             <a:endParaRPr lang="en-US" dirty="0"/>
           </a:p>
@@ -4337,7 +4337,7 @@
             <a:fld id="{B61BEF0D-F0BB-DE4B-95CE-6DB70DBA9567}" type="datetimeFigureOut">
               <a:rPr lang="en-US" dirty="0"/>
               <a:pPr/>
-              <a:t>8/25/2021</a:t>
+              <a:t>8/24/2021</a:t>
             </a:fld>
             <a:endParaRPr lang="en-US" dirty="0"/>
           </a:p>
@@ -4459,7 +4459,7 @@
             <a:fld id="{B61BEF0D-F0BB-DE4B-95CE-6DB70DBA9567}" type="datetimeFigureOut">
               <a:rPr lang="en-US" dirty="0"/>
               <a:pPr/>
-              <a:t>8/25/2021</a:t>
+              <a:t>8/24/2021</a:t>
             </a:fld>
             <a:endParaRPr lang="en-US" dirty="0"/>
           </a:p>
@@ -4741,7 +4741,7 @@
             <a:fld id="{B61BEF0D-F0BB-DE4B-95CE-6DB70DBA9567}" type="datetimeFigureOut">
               <a:rPr lang="en-US" dirty="0"/>
               <a:pPr/>
-              <a:t>8/25/2021</a:t>
+              <a:t>8/24/2021</a:t>
             </a:fld>
             <a:endParaRPr lang="en-US" dirty="0"/>
           </a:p>
@@ -5062,7 +5062,7 @@
             <a:fld id="{B61BEF0D-F0BB-DE4B-95CE-6DB70DBA9567}" type="datetimeFigureOut">
               <a:rPr lang="en-US" dirty="0"/>
               <a:pPr/>
-              <a:t>8/25/2021</a:t>
+              <a:t>8/24/2021</a:t>
             </a:fld>
             <a:endParaRPr lang="en-US" dirty="0"/>
           </a:p>
@@ -5273,7 +5273,7 @@
             <a:fld id="{B61BEF0D-F0BB-DE4B-95CE-6DB70DBA9567}" type="datetimeFigureOut">
               <a:rPr lang="en-US" dirty="0"/>
               <a:pPr/>
-              <a:t>8/25/2021</a:t>
+              <a:t>8/24/2021</a:t>
             </a:fld>
             <a:endParaRPr lang="en-US" dirty="0"/>
           </a:p>
@@ -13214,7 +13214,7 @@
         <p:spPr>
           <a:xfrm>
             <a:off x="803232" y="1855827"/>
-            <a:ext cx="2797217" cy="2308324"/>
+            <a:ext cx="2797217" cy="2031325"/>
           </a:xfrm>
           <a:prstGeom prst="rect">
             <a:avLst/>
@@ -13228,20 +13228,6 @@
           <a:lstStyle/>
           <a:p>
             <a:r>
-              <a:rPr lang="en-US" altLang="zh-TW" dirty="0"/>
-              <a:t># </a:t>
-            </a:r>
-            <a:r>
-              <a:rPr lang="en-US" altLang="zh-TW" dirty="0" err="1"/>
-              <a:t>linux</a:t>
-            </a:r>
-            <a:r>
-              <a:rPr lang="en-US" altLang="zh-TW" dirty="0"/>
-              <a:t> version</a:t>
-            </a:r>
-          </a:p>
-          <a:p>
-            <a:r>
               <a:rPr lang="en-US" altLang="zh-TW" dirty="0" err="1"/>
               <a:t>sudo</a:t>
             </a:r>
@@ -13293,7 +13279,7 @@
             </a:r>
             <a:r>
               <a:rPr lang="en-US" altLang="zh-TW" dirty="0"/>
-              <a:t> .. &amp;&amp; make -j</a:t>
+              <a:t> .. &amp;&amp; make –j</a:t>
             </a:r>
           </a:p>
           <a:p>
@@ -13383,7 +13369,7 @@
         </p:nvCxnSpPr>
         <p:spPr>
           <a:xfrm flipH="1">
-            <a:off x="9963151" y="3680624"/>
+            <a:off x="9963151" y="3655457"/>
             <a:ext cx="1019174" cy="0"/>
           </a:xfrm>
           <a:prstGeom prst="straightConnector1">
@@ -13425,8 +13411,8 @@
         </p:nvSpPr>
         <p:spPr>
           <a:xfrm>
-            <a:off x="685801" y="4920146"/>
-            <a:ext cx="3381374" cy="1754326"/>
+            <a:off x="685801" y="5054369"/>
+            <a:ext cx="3381374" cy="1477328"/>
           </a:xfrm>
           <a:prstGeom prst="rect">
             <a:avLst/>
@@ -13440,12 +13426,6 @@
           <a:lstStyle/>
           <a:p>
             <a:r>
-              <a:rPr lang="en-US" altLang="zh-TW" i="1" dirty="0"/>
-              <a:t># windows version</a:t>
-            </a:r>
-          </a:p>
-          <a:p>
-            <a:r>
               <a:rPr lang="en-US" altLang="zh-TW" i="1" dirty="0" err="1"/>
               <a:t>mkdir</a:t>
             </a:r>
@@ -13475,7 +13455,7 @@
           <a:p>
             <a:r>
               <a:rPr lang="en-US" altLang="zh-TW" dirty="0"/>
-              <a:t>mingw32-make -j</a:t>
+              <a:t>mingw32-make –j</a:t>
             </a:r>
           </a:p>
           <a:p>

--- a/lab02/00-lab02.pptx
+++ b/lab02/00-lab02.pptx
@@ -7817,7 +7817,7 @@
             <a:fld id="{B61BEF0D-F0BB-DE4B-95CE-6DB70DBA9567}" type="datetimeFigureOut">
               <a:rPr lang="en-US" dirty="0"/>
               <a:pPr/>
-              <a:t>10/3/2021</a:t>
+              <a:t>10/6/2021</a:t>
             </a:fld>
             <a:endParaRPr lang="en-US" dirty="0"/>
           </a:p>
@@ -8148,7 +8148,7 @@
             <a:fld id="{B61BEF0D-F0BB-DE4B-95CE-6DB70DBA9567}" type="datetimeFigureOut">
               <a:rPr lang="en-US" dirty="0"/>
               <a:pPr/>
-              <a:t>10/3/2021</a:t>
+              <a:t>10/6/2021</a:t>
             </a:fld>
             <a:endParaRPr lang="en-US" dirty="0"/>
           </a:p>
@@ -8423,7 +8423,7 @@
             <a:fld id="{B61BEF0D-F0BB-DE4B-95CE-6DB70DBA9567}" type="datetimeFigureOut">
               <a:rPr lang="en-US" dirty="0"/>
               <a:pPr/>
-              <a:t>10/3/2021</a:t>
+              <a:t>10/6/2021</a:t>
             </a:fld>
             <a:endParaRPr lang="en-US" dirty="0"/>
           </a:p>
@@ -8988,7 +8988,7 @@
             <a:fld id="{B61BEF0D-F0BB-DE4B-95CE-6DB70DBA9567}" type="datetimeFigureOut">
               <a:rPr lang="en-US" dirty="0"/>
               <a:pPr/>
-              <a:t>10/3/2021</a:t>
+              <a:t>10/6/2021</a:t>
             </a:fld>
             <a:endParaRPr lang="en-US" dirty="0"/>
           </a:p>
@@ -9263,7 +9263,7 @@
             <a:fld id="{B61BEF0D-F0BB-DE4B-95CE-6DB70DBA9567}" type="datetimeFigureOut">
               <a:rPr lang="en-US" dirty="0"/>
               <a:pPr/>
-              <a:t>10/3/2021</a:t>
+              <a:t>10/6/2021</a:t>
             </a:fld>
             <a:endParaRPr lang="en-US" dirty="0"/>
           </a:p>
@@ -9822,7 +9822,7 @@
             <a:fld id="{B61BEF0D-F0BB-DE4B-95CE-6DB70DBA9567}" type="datetimeFigureOut">
               <a:rPr lang="en-US" dirty="0"/>
               <a:pPr/>
-              <a:t>10/3/2021</a:t>
+              <a:t>10/6/2021</a:t>
             </a:fld>
             <a:endParaRPr lang="en-US" dirty="0"/>
           </a:p>
@@ -10146,7 +10146,7 @@
             <a:fld id="{B61BEF0D-F0BB-DE4B-95CE-6DB70DBA9567}" type="datetimeFigureOut">
               <a:rPr lang="en-US" dirty="0"/>
               <a:pPr/>
-              <a:t>10/3/2021</a:t>
+              <a:t>10/6/2021</a:t>
             </a:fld>
             <a:endParaRPr lang="en-US" dirty="0"/>
           </a:p>
@@ -10320,7 +10320,7 @@
             <a:fld id="{B61BEF0D-F0BB-DE4B-95CE-6DB70DBA9567}" type="datetimeFigureOut">
               <a:rPr lang="en-US" dirty="0"/>
               <a:pPr/>
-              <a:t>10/3/2021</a:t>
+              <a:t>10/6/2021</a:t>
             </a:fld>
             <a:endParaRPr lang="en-US" dirty="0"/>
           </a:p>
@@ -10555,7 +10555,7 @@
             <a:fld id="{B61BEF0D-F0BB-DE4B-95CE-6DB70DBA9567}" type="datetimeFigureOut">
               <a:rPr lang="en-US" dirty="0"/>
               <a:pPr/>
-              <a:t>10/3/2021</a:t>
+              <a:t>10/6/2021</a:t>
             </a:fld>
             <a:endParaRPr lang="en-US" dirty="0"/>
           </a:p>
@@ -10752,7 +10752,7 @@
             <a:fld id="{B61BEF0D-F0BB-DE4B-95CE-6DB70DBA9567}" type="datetimeFigureOut">
               <a:rPr lang="en-US" dirty="0"/>
               <a:pPr/>
-              <a:t>10/3/2021</a:t>
+              <a:t>10/6/2021</a:t>
             </a:fld>
             <a:endParaRPr lang="en-US" dirty="0"/>
           </a:p>
@@ -11025,7 +11025,7 @@
             <a:fld id="{B61BEF0D-F0BB-DE4B-95CE-6DB70DBA9567}" type="datetimeFigureOut">
               <a:rPr lang="en-US" dirty="0"/>
               <a:pPr/>
-              <a:t>10/3/2021</a:t>
+              <a:t>10/6/2021</a:t>
             </a:fld>
             <a:endParaRPr lang="en-US" dirty="0"/>
           </a:p>
@@ -11288,7 +11288,7 @@
             <a:fld id="{B61BEF0D-F0BB-DE4B-95CE-6DB70DBA9567}" type="datetimeFigureOut">
               <a:rPr lang="en-US" dirty="0"/>
               <a:pPr/>
-              <a:t>10/3/2021</a:t>
+              <a:t>10/6/2021</a:t>
             </a:fld>
             <a:endParaRPr lang="en-US" dirty="0"/>
           </a:p>
@@ -11659,7 +11659,7 @@
             <a:fld id="{B61BEF0D-F0BB-DE4B-95CE-6DB70DBA9567}" type="datetimeFigureOut">
               <a:rPr lang="en-US" dirty="0"/>
               <a:pPr/>
-              <a:t>10/3/2021</a:t>
+              <a:t>10/6/2021</a:t>
             </a:fld>
             <a:endParaRPr lang="en-US" dirty="0"/>
           </a:p>
@@ -11804,7 +11804,7 @@
             <a:fld id="{B61BEF0D-F0BB-DE4B-95CE-6DB70DBA9567}" type="datetimeFigureOut">
               <a:rPr lang="en-US" dirty="0"/>
               <a:pPr/>
-              <a:t>10/3/2021</a:t>
+              <a:t>10/6/2021</a:t>
             </a:fld>
             <a:endParaRPr lang="en-US" dirty="0"/>
           </a:p>
@@ -11926,7 +11926,7 @@
             <a:fld id="{B61BEF0D-F0BB-DE4B-95CE-6DB70DBA9567}" type="datetimeFigureOut">
               <a:rPr lang="en-US" dirty="0"/>
               <a:pPr/>
-              <a:t>10/3/2021</a:t>
+              <a:t>10/6/2021</a:t>
             </a:fld>
             <a:endParaRPr lang="en-US" dirty="0"/>
           </a:p>
@@ -12208,7 +12208,7 @@
             <a:fld id="{B61BEF0D-F0BB-DE4B-95CE-6DB70DBA9567}" type="datetimeFigureOut">
               <a:rPr lang="en-US" dirty="0"/>
               <a:pPr/>
-              <a:t>10/3/2021</a:t>
+              <a:t>10/6/2021</a:t>
             </a:fld>
             <a:endParaRPr lang="en-US" dirty="0"/>
           </a:p>
@@ -12529,7 +12529,7 @@
             <a:fld id="{B61BEF0D-F0BB-DE4B-95CE-6DB70DBA9567}" type="datetimeFigureOut">
               <a:rPr lang="en-US" dirty="0"/>
               <a:pPr/>
-              <a:t>10/3/2021</a:t>
+              <a:t>10/6/2021</a:t>
             </a:fld>
             <a:endParaRPr lang="en-US" dirty="0"/>
           </a:p>
@@ -12740,7 +12740,7 @@
             <a:fld id="{B61BEF0D-F0BB-DE4B-95CE-6DB70DBA9567}" type="datetimeFigureOut">
               <a:rPr lang="en-US" dirty="0"/>
               <a:pPr/>
-              <a:t>10/3/2021</a:t>
+              <a:t>10/6/2021</a:t>
             </a:fld>
             <a:endParaRPr lang="en-US" dirty="0"/>
           </a:p>
@@ -15004,9 +15004,10 @@
           </a:p>
           <a:p>
             <a:r>
-              <a:rPr lang="en-US" altLang="zh-TW" dirty="0"/>
-              <a:t>mingw32-make –j</a:t>
-            </a:r>
+              <a:rPr lang="en-US" altLang="zh-TW"/>
+              <a:t>mingw32-make -j</a:t>
+            </a:r>
+            <a:endParaRPr lang="en-US" altLang="zh-TW" dirty="0"/>
           </a:p>
           <a:p>
             <a:r>

--- a/lab02/00-lab02.pptx
+++ b/lab02/00-lab02.pptx
@@ -20,6 +20,7 @@
     <p:sldId id="267" r:id="rId14"/>
     <p:sldId id="268" r:id="rId15"/>
     <p:sldId id="269" r:id="rId16"/>
+    <p:sldId id="272" r:id="rId17"/>
   </p:sldIdLst>
   <p:sldSz cx="12192000" cy="6858000"/>
   <p:notesSz cx="6858000" cy="9144000"/>
@@ -7817,7 +7818,7 @@
             <a:fld id="{B61BEF0D-F0BB-DE4B-95CE-6DB70DBA9567}" type="datetimeFigureOut">
               <a:rPr lang="en-US" dirty="0"/>
               <a:pPr/>
-              <a:t>10/6/2021</a:t>
+              <a:t>10/13/2021</a:t>
             </a:fld>
             <a:endParaRPr lang="en-US" dirty="0"/>
           </a:p>
@@ -8148,7 +8149,7 @@
             <a:fld id="{B61BEF0D-F0BB-DE4B-95CE-6DB70DBA9567}" type="datetimeFigureOut">
               <a:rPr lang="en-US" dirty="0"/>
               <a:pPr/>
-              <a:t>10/6/2021</a:t>
+              <a:t>10/13/2021</a:t>
             </a:fld>
             <a:endParaRPr lang="en-US" dirty="0"/>
           </a:p>
@@ -8423,7 +8424,7 @@
             <a:fld id="{B61BEF0D-F0BB-DE4B-95CE-6DB70DBA9567}" type="datetimeFigureOut">
               <a:rPr lang="en-US" dirty="0"/>
               <a:pPr/>
-              <a:t>10/6/2021</a:t>
+              <a:t>10/13/2021</a:t>
             </a:fld>
             <a:endParaRPr lang="en-US" dirty="0"/>
           </a:p>
@@ -8988,7 +8989,7 @@
             <a:fld id="{B61BEF0D-F0BB-DE4B-95CE-6DB70DBA9567}" type="datetimeFigureOut">
               <a:rPr lang="en-US" dirty="0"/>
               <a:pPr/>
-              <a:t>10/6/2021</a:t>
+              <a:t>10/13/2021</a:t>
             </a:fld>
             <a:endParaRPr lang="en-US" dirty="0"/>
           </a:p>
@@ -9263,7 +9264,7 @@
             <a:fld id="{B61BEF0D-F0BB-DE4B-95CE-6DB70DBA9567}" type="datetimeFigureOut">
               <a:rPr lang="en-US" dirty="0"/>
               <a:pPr/>
-              <a:t>10/6/2021</a:t>
+              <a:t>10/13/2021</a:t>
             </a:fld>
             <a:endParaRPr lang="en-US" dirty="0"/>
           </a:p>
@@ -9822,7 +9823,7 @@
             <a:fld id="{B61BEF0D-F0BB-DE4B-95CE-6DB70DBA9567}" type="datetimeFigureOut">
               <a:rPr lang="en-US" dirty="0"/>
               <a:pPr/>
-              <a:t>10/6/2021</a:t>
+              <a:t>10/13/2021</a:t>
             </a:fld>
             <a:endParaRPr lang="en-US" dirty="0"/>
           </a:p>
@@ -10146,7 +10147,7 @@
             <a:fld id="{B61BEF0D-F0BB-DE4B-95CE-6DB70DBA9567}" type="datetimeFigureOut">
               <a:rPr lang="en-US" dirty="0"/>
               <a:pPr/>
-              <a:t>10/6/2021</a:t>
+              <a:t>10/13/2021</a:t>
             </a:fld>
             <a:endParaRPr lang="en-US" dirty="0"/>
           </a:p>
@@ -10320,7 +10321,7 @@
             <a:fld id="{B61BEF0D-F0BB-DE4B-95CE-6DB70DBA9567}" type="datetimeFigureOut">
               <a:rPr lang="en-US" dirty="0"/>
               <a:pPr/>
-              <a:t>10/6/2021</a:t>
+              <a:t>10/13/2021</a:t>
             </a:fld>
             <a:endParaRPr lang="en-US" dirty="0"/>
           </a:p>
@@ -10555,7 +10556,7 @@
             <a:fld id="{B61BEF0D-F0BB-DE4B-95CE-6DB70DBA9567}" type="datetimeFigureOut">
               <a:rPr lang="en-US" dirty="0"/>
               <a:pPr/>
-              <a:t>10/6/2021</a:t>
+              <a:t>10/13/2021</a:t>
             </a:fld>
             <a:endParaRPr lang="en-US" dirty="0"/>
           </a:p>
@@ -10752,7 +10753,7 @@
             <a:fld id="{B61BEF0D-F0BB-DE4B-95CE-6DB70DBA9567}" type="datetimeFigureOut">
               <a:rPr lang="en-US" dirty="0"/>
               <a:pPr/>
-              <a:t>10/6/2021</a:t>
+              <a:t>10/13/2021</a:t>
             </a:fld>
             <a:endParaRPr lang="en-US" dirty="0"/>
           </a:p>
@@ -11025,7 +11026,7 @@
             <a:fld id="{B61BEF0D-F0BB-DE4B-95CE-6DB70DBA9567}" type="datetimeFigureOut">
               <a:rPr lang="en-US" dirty="0"/>
               <a:pPr/>
-              <a:t>10/6/2021</a:t>
+              <a:t>10/13/2021</a:t>
             </a:fld>
             <a:endParaRPr lang="en-US" dirty="0"/>
           </a:p>
@@ -11288,7 +11289,7 @@
             <a:fld id="{B61BEF0D-F0BB-DE4B-95CE-6DB70DBA9567}" type="datetimeFigureOut">
               <a:rPr lang="en-US" dirty="0"/>
               <a:pPr/>
-              <a:t>10/6/2021</a:t>
+              <a:t>10/13/2021</a:t>
             </a:fld>
             <a:endParaRPr lang="en-US" dirty="0"/>
           </a:p>
@@ -11659,7 +11660,7 @@
             <a:fld id="{B61BEF0D-F0BB-DE4B-95CE-6DB70DBA9567}" type="datetimeFigureOut">
               <a:rPr lang="en-US" dirty="0"/>
               <a:pPr/>
-              <a:t>10/6/2021</a:t>
+              <a:t>10/13/2021</a:t>
             </a:fld>
             <a:endParaRPr lang="en-US" dirty="0"/>
           </a:p>
@@ -11804,7 +11805,7 @@
             <a:fld id="{B61BEF0D-F0BB-DE4B-95CE-6DB70DBA9567}" type="datetimeFigureOut">
               <a:rPr lang="en-US" dirty="0"/>
               <a:pPr/>
-              <a:t>10/6/2021</a:t>
+              <a:t>10/13/2021</a:t>
             </a:fld>
             <a:endParaRPr lang="en-US" dirty="0"/>
           </a:p>
@@ -11926,7 +11927,7 @@
             <a:fld id="{B61BEF0D-F0BB-DE4B-95CE-6DB70DBA9567}" type="datetimeFigureOut">
               <a:rPr lang="en-US" dirty="0"/>
               <a:pPr/>
-              <a:t>10/6/2021</a:t>
+              <a:t>10/13/2021</a:t>
             </a:fld>
             <a:endParaRPr lang="en-US" dirty="0"/>
           </a:p>
@@ -12208,7 +12209,7 @@
             <a:fld id="{B61BEF0D-F0BB-DE4B-95CE-6DB70DBA9567}" type="datetimeFigureOut">
               <a:rPr lang="en-US" dirty="0"/>
               <a:pPr/>
-              <a:t>10/6/2021</a:t>
+              <a:t>10/13/2021</a:t>
             </a:fld>
             <a:endParaRPr lang="en-US" dirty="0"/>
           </a:p>
@@ -12529,7 +12530,7 @@
             <a:fld id="{B61BEF0D-F0BB-DE4B-95CE-6DB70DBA9567}" type="datetimeFigureOut">
               <a:rPr lang="en-US" dirty="0"/>
               <a:pPr/>
-              <a:t>10/6/2021</a:t>
+              <a:t>10/13/2021</a:t>
             </a:fld>
             <a:endParaRPr lang="en-US" dirty="0"/>
           </a:p>
@@ -12740,7 +12741,7 @@
             <a:fld id="{B61BEF0D-F0BB-DE4B-95CE-6DB70DBA9567}" type="datetimeFigureOut">
               <a:rPr lang="en-US" dirty="0"/>
               <a:pPr/>
-              <a:t>10/6/2021</a:t>
+              <a:t>10/13/2021</a:t>
             </a:fld>
             <a:endParaRPr lang="en-US" dirty="0"/>
           </a:p>
@@ -14748,7 +14749,7 @@
         <p:spPr>
           <a:xfrm>
             <a:off x="803232" y="1973273"/>
-            <a:ext cx="2797217" cy="2031325"/>
+            <a:ext cx="2797217" cy="2308324"/>
           </a:xfrm>
           <a:prstGeom prst="rect">
             <a:avLst/>
@@ -14818,8 +14819,15 @@
             </a:r>
             <a:r>
               <a:rPr lang="en-US" altLang="zh-TW" dirty="0"/>
-              <a:t> .. &amp;&amp; make -j</a:t>
-            </a:r>
+              <a:t> .. &amp;&amp; make –j</a:t>
+            </a:r>
+          </a:p>
+          <a:p>
+            <a:r>
+              <a:rPr lang="en-US" altLang="zh-TW"/>
+              <a:t>cd ..</a:t>
+            </a:r>
+            <a:endParaRPr lang="en-US" altLang="zh-TW" dirty="0"/>
           </a:p>
           <a:p>
             <a:r>
@@ -14828,7 +14836,7 @@
             </a:r>
             <a:r>
               <a:rPr lang="en-US" altLang="zh-TW" dirty="0"/>
-              <a:t> lib</a:t>
+              <a:t> ../lib</a:t>
             </a:r>
           </a:p>
           <a:p>
@@ -15004,10 +15012,9 @@
           </a:p>
           <a:p>
             <a:r>
-              <a:rPr lang="en-US" altLang="zh-TW"/>
+              <a:rPr lang="en-US" altLang="zh-TW" dirty="0"/>
               <a:t>mingw32-make -j</a:t>
             </a:r>
-            <a:endParaRPr lang="en-US" altLang="zh-TW" dirty="0"/>
           </a:p>
           <a:p>
             <a:r>
@@ -17492,6 +17499,158 @@
     <p:extLst>
       <p:ext uri="{BB962C8B-B14F-4D97-AF65-F5344CB8AC3E}">
         <p14:creationId xmlns:p14="http://schemas.microsoft.com/office/powerpoint/2010/main" val="2638741569"/>
+      </p:ext>
+    </p:extLst>
+  </p:cSld>
+  <p:clrMapOvr>
+    <a:masterClrMapping/>
+  </p:clrMapOvr>
+</p:sld>
+</file>
+
+<file path=ppt/slides/slide16.xml><?xml version="1.0" encoding="utf-8"?>
+<p:sld xmlns:a="http://schemas.openxmlformats.org/drawingml/2006/main" xmlns:r="http://schemas.openxmlformats.org/officeDocument/2006/relationships" xmlns:p="http://schemas.openxmlformats.org/presentationml/2006/main">
+  <p:cSld>
+    <p:spTree>
+      <p:nvGrpSpPr>
+        <p:cNvPr id="1" name=""/>
+        <p:cNvGrpSpPr/>
+        <p:nvPr/>
+      </p:nvGrpSpPr>
+      <p:grpSpPr>
+        <a:xfrm>
+          <a:off x="0" y="0"/>
+          <a:ext cx="0" cy="0"/>
+          <a:chOff x="0" y="0"/>
+          <a:chExt cx="0" cy="0"/>
+        </a:xfrm>
+      </p:grpSpPr>
+      <p:sp>
+        <p:nvSpPr>
+          <p:cNvPr id="2" name="標題 1">
+            <a:extLst>
+              <a:ext uri="{FF2B5EF4-FFF2-40B4-BE49-F238E27FC236}">
+                <a16:creationId xmlns:a16="http://schemas.microsoft.com/office/drawing/2014/main" id="{5516677C-6740-4A29-8E12-3F5C7A551A28}"/>
+              </a:ext>
+            </a:extLst>
+          </p:cNvPr>
+          <p:cNvSpPr>
+            <a:spLocks noGrp="1"/>
+          </p:cNvSpPr>
+          <p:nvPr>
+            <p:ph type="title"/>
+          </p:nvPr>
+        </p:nvSpPr>
+        <p:spPr/>
+        <p:txBody>
+          <a:bodyPr/>
+          <a:lstStyle/>
+          <a:p>
+            <a:r>
+              <a:rPr lang="en-US" altLang="zh-TW" dirty="0"/>
+              <a:t>Code-server</a:t>
+            </a:r>
+            <a:endParaRPr lang="zh-TW" altLang="en-US" dirty="0"/>
+          </a:p>
+        </p:txBody>
+      </p:sp>
+      <p:sp>
+        <p:nvSpPr>
+          <p:cNvPr id="5" name="文字方塊 4">
+            <a:extLst>
+              <a:ext uri="{FF2B5EF4-FFF2-40B4-BE49-F238E27FC236}">
+                <a16:creationId xmlns:a16="http://schemas.microsoft.com/office/drawing/2014/main" id="{DBC3C293-8FB6-4286-9ED7-9BC0C55B296A}"/>
+              </a:ext>
+            </a:extLst>
+          </p:cNvPr>
+          <p:cNvSpPr txBox="1"/>
+          <p:nvPr/>
+        </p:nvSpPr>
+        <p:spPr>
+          <a:xfrm>
+            <a:off x="685801" y="2065867"/>
+            <a:ext cx="7271157" cy="2585323"/>
+          </a:xfrm>
+          <a:prstGeom prst="rect">
+            <a:avLst/>
+          </a:prstGeom>
+          <a:noFill/>
+        </p:spPr>
+        <p:txBody>
+          <a:bodyPr wrap="square">
+            <a:spAutoFit/>
+          </a:bodyPr>
+          <a:lstStyle/>
+          <a:p>
+            <a:r>
+              <a:rPr lang="zh-TW" altLang="en-US" dirty="0"/>
+              <a:t>sudo apt update</a:t>
+            </a:r>
+          </a:p>
+          <a:p>
+            <a:r>
+              <a:rPr lang="zh-TW" altLang="en-US" dirty="0"/>
+              <a:t>sudo apt install -y cmake</a:t>
+            </a:r>
+          </a:p>
+          <a:p>
+            <a:r>
+              <a:rPr lang="zh-TW" altLang="en-US" dirty="0"/>
+              <a:t>wget </a:t>
+            </a:r>
+            <a:r>
+              <a:rPr lang="en-US" altLang="zh-TW" dirty="0"/>
+              <a:t>https://github.com/gabime/spdlog/archive/refs/tags/v1.9.2.tar.gz</a:t>
+            </a:r>
+            <a:endParaRPr lang="zh-TW" altLang="en-US" dirty="0"/>
+          </a:p>
+          <a:p>
+            <a:r>
+              <a:rPr lang="zh-TW" altLang="en-US" dirty="0"/>
+              <a:t>tar xvf v1.9.2.tar.gz</a:t>
+            </a:r>
+          </a:p>
+          <a:p>
+            <a:r>
+              <a:rPr lang="zh-TW" altLang="en-US" dirty="0"/>
+              <a:t>cd spdlog-1.9.2</a:t>
+            </a:r>
+          </a:p>
+          <a:p>
+            <a:r>
+              <a:rPr lang="zh-TW" altLang="en-US" dirty="0"/>
+              <a:t>mkdir build &amp;&amp; cd build</a:t>
+            </a:r>
+          </a:p>
+          <a:p>
+            <a:r>
+              <a:rPr lang="zh-TW" altLang="en-US" dirty="0"/>
+              <a:t>cmake .. &amp;&amp; make</a:t>
+            </a:r>
+          </a:p>
+          <a:p>
+            <a:r>
+              <a:rPr lang="zh-TW" altLang="en-US" dirty="0"/>
+              <a:t>mkdir lib</a:t>
+            </a:r>
+          </a:p>
+          <a:p>
+            <a:r>
+              <a:rPr lang="zh-TW" altLang="en-US" dirty="0"/>
+              <a:t>mv libspdlog.a ../li</a:t>
+            </a:r>
+            <a:r>
+              <a:rPr lang="zh-TW" altLang="en-US"/>
+              <a:t>b/</a:t>
+            </a:r>
+            <a:endParaRPr lang="en-US" altLang="zh-TW" dirty="0"/>
+          </a:p>
+        </p:txBody>
+      </p:sp>
+    </p:spTree>
+    <p:extLst>
+      <p:ext uri="{BB962C8B-B14F-4D97-AF65-F5344CB8AC3E}">
+        <p14:creationId xmlns:p14="http://schemas.microsoft.com/office/powerpoint/2010/main" val="644602360"/>
       </p:ext>
     </p:extLst>
   </p:cSld>

--- a/lab02/00-lab02.pptx
+++ b/lab02/00-lab02.pptx
@@ -20,7 +20,6 @@
     <p:sldId id="267" r:id="rId14"/>
     <p:sldId id="268" r:id="rId15"/>
     <p:sldId id="269" r:id="rId16"/>
-    <p:sldId id="272" r:id="rId17"/>
   </p:sldIdLst>
   <p:sldSz cx="12192000" cy="6858000"/>
   <p:notesSz cx="6858000" cy="9144000"/>
@@ -15510,7 +15509,7 @@
                 <a:effectLst/>
                 <a:latin typeface="Consolas" panose="020B0609020204030204" pitchFamily="49" charset="0"/>
               </a:rPr>
-              <a:t>-I{SPD_PATH}/</a:t>
+              <a:t>{SPD_PATH}/</a:t>
             </a:r>
             <a:r>
               <a:rPr lang="en-US" altLang="zh-TW" sz="1800" b="1" dirty="0" err="1">
@@ -17499,158 +17498,6 @@
     <p:extLst>
       <p:ext uri="{BB962C8B-B14F-4D97-AF65-F5344CB8AC3E}">
         <p14:creationId xmlns:p14="http://schemas.microsoft.com/office/powerpoint/2010/main" val="2638741569"/>
-      </p:ext>
-    </p:extLst>
-  </p:cSld>
-  <p:clrMapOvr>
-    <a:masterClrMapping/>
-  </p:clrMapOvr>
-</p:sld>
-</file>
-
-<file path=ppt/slides/slide16.xml><?xml version="1.0" encoding="utf-8"?>
-<p:sld xmlns:a="http://schemas.openxmlformats.org/drawingml/2006/main" xmlns:r="http://schemas.openxmlformats.org/officeDocument/2006/relationships" xmlns:p="http://schemas.openxmlformats.org/presentationml/2006/main">
-  <p:cSld>
-    <p:spTree>
-      <p:nvGrpSpPr>
-        <p:cNvPr id="1" name=""/>
-        <p:cNvGrpSpPr/>
-        <p:nvPr/>
-      </p:nvGrpSpPr>
-      <p:grpSpPr>
-        <a:xfrm>
-          <a:off x="0" y="0"/>
-          <a:ext cx="0" cy="0"/>
-          <a:chOff x="0" y="0"/>
-          <a:chExt cx="0" cy="0"/>
-        </a:xfrm>
-      </p:grpSpPr>
-      <p:sp>
-        <p:nvSpPr>
-          <p:cNvPr id="2" name="標題 1">
-            <a:extLst>
-              <a:ext uri="{FF2B5EF4-FFF2-40B4-BE49-F238E27FC236}">
-                <a16:creationId xmlns:a16="http://schemas.microsoft.com/office/drawing/2014/main" id="{5516677C-6740-4A29-8E12-3F5C7A551A28}"/>
-              </a:ext>
-            </a:extLst>
-          </p:cNvPr>
-          <p:cNvSpPr>
-            <a:spLocks noGrp="1"/>
-          </p:cNvSpPr>
-          <p:nvPr>
-            <p:ph type="title"/>
-          </p:nvPr>
-        </p:nvSpPr>
-        <p:spPr/>
-        <p:txBody>
-          <a:bodyPr/>
-          <a:lstStyle/>
-          <a:p>
-            <a:r>
-              <a:rPr lang="en-US" altLang="zh-TW" dirty="0"/>
-              <a:t>Code-server</a:t>
-            </a:r>
-            <a:endParaRPr lang="zh-TW" altLang="en-US" dirty="0"/>
-          </a:p>
-        </p:txBody>
-      </p:sp>
-      <p:sp>
-        <p:nvSpPr>
-          <p:cNvPr id="5" name="文字方塊 4">
-            <a:extLst>
-              <a:ext uri="{FF2B5EF4-FFF2-40B4-BE49-F238E27FC236}">
-                <a16:creationId xmlns:a16="http://schemas.microsoft.com/office/drawing/2014/main" id="{DBC3C293-8FB6-4286-9ED7-9BC0C55B296A}"/>
-              </a:ext>
-            </a:extLst>
-          </p:cNvPr>
-          <p:cNvSpPr txBox="1"/>
-          <p:nvPr/>
-        </p:nvSpPr>
-        <p:spPr>
-          <a:xfrm>
-            <a:off x="685801" y="2065867"/>
-            <a:ext cx="7271157" cy="2585323"/>
-          </a:xfrm>
-          <a:prstGeom prst="rect">
-            <a:avLst/>
-          </a:prstGeom>
-          <a:noFill/>
-        </p:spPr>
-        <p:txBody>
-          <a:bodyPr wrap="square">
-            <a:spAutoFit/>
-          </a:bodyPr>
-          <a:lstStyle/>
-          <a:p>
-            <a:r>
-              <a:rPr lang="zh-TW" altLang="en-US" dirty="0"/>
-              <a:t>sudo apt update</a:t>
-            </a:r>
-          </a:p>
-          <a:p>
-            <a:r>
-              <a:rPr lang="zh-TW" altLang="en-US" dirty="0"/>
-              <a:t>sudo apt install -y cmake</a:t>
-            </a:r>
-          </a:p>
-          <a:p>
-            <a:r>
-              <a:rPr lang="zh-TW" altLang="en-US" dirty="0"/>
-              <a:t>wget </a:t>
-            </a:r>
-            <a:r>
-              <a:rPr lang="en-US" altLang="zh-TW" dirty="0"/>
-              <a:t>https://github.com/gabime/spdlog/archive/refs/tags/v1.9.2.tar.gz</a:t>
-            </a:r>
-            <a:endParaRPr lang="zh-TW" altLang="en-US" dirty="0"/>
-          </a:p>
-          <a:p>
-            <a:r>
-              <a:rPr lang="zh-TW" altLang="en-US" dirty="0"/>
-              <a:t>tar xvf v1.9.2.tar.gz</a:t>
-            </a:r>
-          </a:p>
-          <a:p>
-            <a:r>
-              <a:rPr lang="zh-TW" altLang="en-US" dirty="0"/>
-              <a:t>cd spdlog-1.9.2</a:t>
-            </a:r>
-          </a:p>
-          <a:p>
-            <a:r>
-              <a:rPr lang="zh-TW" altLang="en-US" dirty="0"/>
-              <a:t>mkdir build &amp;&amp; cd build</a:t>
-            </a:r>
-          </a:p>
-          <a:p>
-            <a:r>
-              <a:rPr lang="zh-TW" altLang="en-US" dirty="0"/>
-              <a:t>cmake .. &amp;&amp; make</a:t>
-            </a:r>
-          </a:p>
-          <a:p>
-            <a:r>
-              <a:rPr lang="zh-TW" altLang="en-US" dirty="0"/>
-              <a:t>mkdir lib</a:t>
-            </a:r>
-          </a:p>
-          <a:p>
-            <a:r>
-              <a:rPr lang="zh-TW" altLang="en-US" dirty="0"/>
-              <a:t>mv libspdlog.a ../li</a:t>
-            </a:r>
-            <a:r>
-              <a:rPr lang="zh-TW" altLang="en-US"/>
-              <a:t>b/</a:t>
-            </a:r>
-            <a:endParaRPr lang="en-US" altLang="zh-TW" dirty="0"/>
-          </a:p>
-        </p:txBody>
-      </p:sp>
-    </p:spTree>
-    <p:extLst>
-      <p:ext uri="{BB962C8B-B14F-4D97-AF65-F5344CB8AC3E}">
-        <p14:creationId xmlns:p14="http://schemas.microsoft.com/office/powerpoint/2010/main" val="644602360"/>
       </p:ext>
     </p:extLst>
   </p:cSld>

--- a/lab02/00-lab02.pptx
+++ b/lab02/00-lab02.pptx
@@ -874,753 +874,6 @@
 </file>
 
 <file path=ppt/diagrams/colors2.xml><?xml version="1.0" encoding="utf-8"?>
-<dgm:colorsDef xmlns:dgm="http://schemas.openxmlformats.org/drawingml/2006/diagram" xmlns:a="http://schemas.openxmlformats.org/drawingml/2006/main" uniqueId="urn:microsoft.com/office/officeart/2005/8/colors/accent2_2">
-  <dgm:title val=""/>
-  <dgm:desc val=""/>
-  <dgm:catLst>
-    <dgm:cat type="accent2" pri="11200"/>
-  </dgm:catLst>
-  <dgm:styleLbl name="node0">
-    <dgm:fillClrLst meth="repeat">
-      <a:schemeClr val="accent2"/>
-    </dgm:fillClrLst>
-    <dgm:linClrLst meth="repeat">
-      <a:schemeClr val="lt1"/>
-    </dgm:linClrLst>
-    <dgm:effectClrLst/>
-    <dgm:txLinClrLst/>
-    <dgm:txFillClrLst/>
-    <dgm:txEffectClrLst/>
-  </dgm:styleLbl>
-  <dgm:styleLbl name="node1">
-    <dgm:fillClrLst meth="repeat">
-      <a:schemeClr val="accent2"/>
-    </dgm:fillClrLst>
-    <dgm:linClrLst meth="repeat">
-      <a:schemeClr val="lt1"/>
-    </dgm:linClrLst>
-    <dgm:effectClrLst/>
-    <dgm:txLinClrLst/>
-    <dgm:txFillClrLst/>
-    <dgm:txEffectClrLst/>
-  </dgm:styleLbl>
-  <dgm:styleLbl name="alignNode1">
-    <dgm:fillClrLst meth="repeat">
-      <a:schemeClr val="accent2"/>
-    </dgm:fillClrLst>
-    <dgm:linClrLst meth="repeat">
-      <a:schemeClr val="accent2"/>
-    </dgm:linClrLst>
-    <dgm:effectClrLst/>
-    <dgm:txLinClrLst/>
-    <dgm:txFillClrLst/>
-    <dgm:txEffectClrLst/>
-  </dgm:styleLbl>
-  <dgm:styleLbl name="lnNode1">
-    <dgm:fillClrLst meth="repeat">
-      <a:schemeClr val="accent2"/>
-    </dgm:fillClrLst>
-    <dgm:linClrLst meth="repeat">
-      <a:schemeClr val="lt1"/>
-    </dgm:linClrLst>
-    <dgm:effectClrLst/>
-    <dgm:txLinClrLst/>
-    <dgm:txFillClrLst/>
-    <dgm:txEffectClrLst/>
-  </dgm:styleLbl>
-  <dgm:styleLbl name="vennNode1">
-    <dgm:fillClrLst meth="repeat">
-      <a:schemeClr val="accent2">
-        <a:alpha val="50000"/>
-      </a:schemeClr>
-    </dgm:fillClrLst>
-    <dgm:linClrLst meth="repeat">
-      <a:schemeClr val="lt1"/>
-    </dgm:linClrLst>
-    <dgm:effectClrLst/>
-    <dgm:txLinClrLst/>
-    <dgm:txFillClrLst/>
-    <dgm:txEffectClrLst/>
-  </dgm:styleLbl>
-  <dgm:styleLbl name="node2">
-    <dgm:fillClrLst meth="repeat">
-      <a:schemeClr val="accent2"/>
-    </dgm:fillClrLst>
-    <dgm:linClrLst meth="repeat">
-      <a:schemeClr val="lt1"/>
-    </dgm:linClrLst>
-    <dgm:effectClrLst/>
-    <dgm:txLinClrLst/>
-    <dgm:txFillClrLst/>
-    <dgm:txEffectClrLst/>
-  </dgm:styleLbl>
-  <dgm:styleLbl name="node3">
-    <dgm:fillClrLst meth="repeat">
-      <a:schemeClr val="accent2"/>
-    </dgm:fillClrLst>
-    <dgm:linClrLst meth="repeat">
-      <a:schemeClr val="lt1"/>
-    </dgm:linClrLst>
-    <dgm:effectClrLst/>
-    <dgm:txLinClrLst/>
-    <dgm:txFillClrLst/>
-    <dgm:txEffectClrLst/>
-  </dgm:styleLbl>
-  <dgm:styleLbl name="node4">
-    <dgm:fillClrLst meth="repeat">
-      <a:schemeClr val="accent2"/>
-    </dgm:fillClrLst>
-    <dgm:linClrLst meth="repeat">
-      <a:schemeClr val="lt1"/>
-    </dgm:linClrLst>
-    <dgm:effectClrLst/>
-    <dgm:txLinClrLst/>
-    <dgm:txFillClrLst/>
-    <dgm:txEffectClrLst/>
-  </dgm:styleLbl>
-  <dgm:styleLbl name="fgImgPlace1">
-    <dgm:fillClrLst meth="repeat">
-      <a:schemeClr val="accent2">
-        <a:tint val="50000"/>
-      </a:schemeClr>
-    </dgm:fillClrLst>
-    <dgm:linClrLst meth="repeat">
-      <a:schemeClr val="lt1"/>
-    </dgm:linClrLst>
-    <dgm:effectClrLst/>
-    <dgm:txLinClrLst/>
-    <dgm:txFillClrLst meth="repeat">
-      <a:schemeClr val="lt1"/>
-    </dgm:txFillClrLst>
-    <dgm:txEffectClrLst/>
-  </dgm:styleLbl>
-  <dgm:styleLbl name="alignImgPlace1">
-    <dgm:fillClrLst meth="repeat">
-      <a:schemeClr val="accent2">
-        <a:tint val="50000"/>
-      </a:schemeClr>
-    </dgm:fillClrLst>
-    <dgm:linClrLst meth="repeat">
-      <a:schemeClr val="lt1"/>
-    </dgm:linClrLst>
-    <dgm:effectClrLst/>
-    <dgm:txLinClrLst/>
-    <dgm:txFillClrLst meth="repeat">
-      <a:schemeClr val="lt1"/>
-    </dgm:txFillClrLst>
-    <dgm:txEffectClrLst/>
-  </dgm:styleLbl>
-  <dgm:styleLbl name="bgImgPlace1">
-    <dgm:fillClrLst meth="repeat">
-      <a:schemeClr val="accent2">
-        <a:tint val="50000"/>
-      </a:schemeClr>
-    </dgm:fillClrLst>
-    <dgm:linClrLst meth="repeat">
-      <a:schemeClr val="lt1"/>
-    </dgm:linClrLst>
-    <dgm:effectClrLst/>
-    <dgm:txLinClrLst/>
-    <dgm:txFillClrLst meth="repeat">
-      <a:schemeClr val="lt1"/>
-    </dgm:txFillClrLst>
-    <dgm:txEffectClrLst/>
-  </dgm:styleLbl>
-  <dgm:styleLbl name="sibTrans2D1">
-    <dgm:fillClrLst meth="repeat">
-      <a:schemeClr val="accent2">
-        <a:tint val="60000"/>
-      </a:schemeClr>
-    </dgm:fillClrLst>
-    <dgm:linClrLst meth="repeat">
-      <a:schemeClr val="accent2">
-        <a:tint val="60000"/>
-      </a:schemeClr>
-    </dgm:linClrLst>
-    <dgm:effectClrLst/>
-    <dgm:txLinClrLst/>
-    <dgm:txFillClrLst/>
-    <dgm:txEffectClrLst/>
-  </dgm:styleLbl>
-  <dgm:styleLbl name="fgSibTrans2D1">
-    <dgm:fillClrLst meth="repeat">
-      <a:schemeClr val="accent2">
-        <a:tint val="60000"/>
-      </a:schemeClr>
-    </dgm:fillClrLst>
-    <dgm:linClrLst meth="repeat">
-      <a:schemeClr val="accent2">
-        <a:tint val="60000"/>
-      </a:schemeClr>
-    </dgm:linClrLst>
-    <dgm:effectClrLst/>
-    <dgm:txLinClrLst/>
-    <dgm:txFillClrLst/>
-    <dgm:txEffectClrLst/>
-  </dgm:styleLbl>
-  <dgm:styleLbl name="bgSibTrans2D1">
-    <dgm:fillClrLst meth="repeat">
-      <a:schemeClr val="accent2">
-        <a:tint val="60000"/>
-      </a:schemeClr>
-    </dgm:fillClrLst>
-    <dgm:linClrLst meth="repeat">
-      <a:schemeClr val="accent2">
-        <a:tint val="60000"/>
-      </a:schemeClr>
-    </dgm:linClrLst>
-    <dgm:effectClrLst/>
-    <dgm:txLinClrLst/>
-    <dgm:txFillClrLst/>
-    <dgm:txEffectClrLst/>
-  </dgm:styleLbl>
-  <dgm:styleLbl name="sibTrans1D1">
-    <dgm:fillClrLst meth="repeat">
-      <a:schemeClr val="accent2"/>
-    </dgm:fillClrLst>
-    <dgm:linClrLst meth="repeat">
-      <a:schemeClr val="accent2"/>
-    </dgm:linClrLst>
-    <dgm:effectClrLst/>
-    <dgm:txLinClrLst/>
-    <dgm:txFillClrLst meth="repeat">
-      <a:schemeClr val="tx1"/>
-    </dgm:txFillClrLst>
-    <dgm:txEffectClrLst/>
-  </dgm:styleLbl>
-  <dgm:styleLbl name="callout">
-    <dgm:fillClrLst meth="repeat">
-      <a:schemeClr val="accent2"/>
-    </dgm:fillClrLst>
-    <dgm:linClrLst meth="repeat">
-      <a:schemeClr val="accent2">
-        <a:tint val="50000"/>
-      </a:schemeClr>
-    </dgm:linClrLst>
-    <dgm:effectClrLst/>
-    <dgm:txLinClrLst/>
-    <dgm:txFillClrLst meth="repeat">
-      <a:schemeClr val="tx1"/>
-    </dgm:txFillClrLst>
-    <dgm:txEffectClrLst/>
-  </dgm:styleLbl>
-  <dgm:styleLbl name="asst0">
-    <dgm:fillClrLst meth="repeat">
-      <a:schemeClr val="accent2"/>
-    </dgm:fillClrLst>
-    <dgm:linClrLst meth="repeat">
-      <a:schemeClr val="lt1"/>
-    </dgm:linClrLst>
-    <dgm:effectClrLst/>
-    <dgm:txLinClrLst/>
-    <dgm:txFillClrLst/>
-    <dgm:txEffectClrLst/>
-  </dgm:styleLbl>
-  <dgm:styleLbl name="asst1">
-    <dgm:fillClrLst meth="repeat">
-      <a:schemeClr val="accent2"/>
-    </dgm:fillClrLst>
-    <dgm:linClrLst meth="repeat">
-      <a:schemeClr val="lt1"/>
-    </dgm:linClrLst>
-    <dgm:effectClrLst/>
-    <dgm:txLinClrLst/>
-    <dgm:txFillClrLst/>
-    <dgm:txEffectClrLst/>
-  </dgm:styleLbl>
-  <dgm:styleLbl name="asst2">
-    <dgm:fillClrLst meth="repeat">
-      <a:schemeClr val="accent2"/>
-    </dgm:fillClrLst>
-    <dgm:linClrLst meth="repeat">
-      <a:schemeClr val="lt1"/>
-    </dgm:linClrLst>
-    <dgm:effectClrLst/>
-    <dgm:txLinClrLst/>
-    <dgm:txFillClrLst/>
-    <dgm:txEffectClrLst/>
-  </dgm:styleLbl>
-  <dgm:styleLbl name="asst3">
-    <dgm:fillClrLst meth="repeat">
-      <a:schemeClr val="accent2"/>
-    </dgm:fillClrLst>
-    <dgm:linClrLst meth="repeat">
-      <a:schemeClr val="lt1"/>
-    </dgm:linClrLst>
-    <dgm:effectClrLst/>
-    <dgm:txLinClrLst/>
-    <dgm:txFillClrLst/>
-    <dgm:txEffectClrLst/>
-  </dgm:styleLbl>
-  <dgm:styleLbl name="asst4">
-    <dgm:fillClrLst meth="repeat">
-      <a:schemeClr val="accent2"/>
-    </dgm:fillClrLst>
-    <dgm:linClrLst meth="repeat">
-      <a:schemeClr val="lt1"/>
-    </dgm:linClrLst>
-    <dgm:effectClrLst/>
-    <dgm:txLinClrLst/>
-    <dgm:txFillClrLst/>
-    <dgm:txEffectClrLst/>
-  </dgm:styleLbl>
-  <dgm:styleLbl name="parChTrans2D1">
-    <dgm:fillClrLst meth="repeat">
-      <a:schemeClr val="accent2">
-        <a:tint val="60000"/>
-      </a:schemeClr>
-    </dgm:fillClrLst>
-    <dgm:linClrLst meth="repeat">
-      <a:schemeClr val="accent2">
-        <a:tint val="60000"/>
-      </a:schemeClr>
-    </dgm:linClrLst>
-    <dgm:effectClrLst/>
-    <dgm:txLinClrLst/>
-    <dgm:txFillClrLst meth="repeat">
-      <a:schemeClr val="lt1"/>
-    </dgm:txFillClrLst>
-    <dgm:txEffectClrLst/>
-  </dgm:styleLbl>
-  <dgm:styleLbl name="parChTrans2D2">
-    <dgm:fillClrLst meth="repeat">
-      <a:schemeClr val="accent2"/>
-    </dgm:fillClrLst>
-    <dgm:linClrLst meth="repeat">
-      <a:schemeClr val="accent2"/>
-    </dgm:linClrLst>
-    <dgm:effectClrLst/>
-    <dgm:txLinClrLst/>
-    <dgm:txFillClrLst meth="repeat">
-      <a:schemeClr val="lt1"/>
-    </dgm:txFillClrLst>
-    <dgm:txEffectClrLst/>
-  </dgm:styleLbl>
-  <dgm:styleLbl name="parChTrans2D3">
-    <dgm:fillClrLst meth="repeat">
-      <a:schemeClr val="accent2"/>
-    </dgm:fillClrLst>
-    <dgm:linClrLst meth="repeat">
-      <a:schemeClr val="accent2"/>
-    </dgm:linClrLst>
-    <dgm:effectClrLst/>
-    <dgm:txLinClrLst/>
-    <dgm:txFillClrLst meth="repeat">
-      <a:schemeClr val="lt1"/>
-    </dgm:txFillClrLst>
-    <dgm:txEffectClrLst/>
-  </dgm:styleLbl>
-  <dgm:styleLbl name="parChTrans2D4">
-    <dgm:fillClrLst meth="repeat">
-      <a:schemeClr val="accent2"/>
-    </dgm:fillClrLst>
-    <dgm:linClrLst meth="repeat">
-      <a:schemeClr val="accent2"/>
-    </dgm:linClrLst>
-    <dgm:effectClrLst/>
-    <dgm:txLinClrLst/>
-    <dgm:txFillClrLst meth="repeat">
-      <a:schemeClr val="lt1"/>
-    </dgm:txFillClrLst>
-    <dgm:txEffectClrLst/>
-  </dgm:styleLbl>
-  <dgm:styleLbl name="parChTrans1D1">
-    <dgm:fillClrLst meth="repeat">
-      <a:schemeClr val="accent2"/>
-    </dgm:fillClrLst>
-    <dgm:linClrLst meth="repeat">
-      <a:schemeClr val="accent2">
-        <a:shade val="60000"/>
-      </a:schemeClr>
-    </dgm:linClrLst>
-    <dgm:effectClrLst/>
-    <dgm:txLinClrLst/>
-    <dgm:txFillClrLst meth="repeat">
-      <a:schemeClr val="tx1"/>
-    </dgm:txFillClrLst>
-    <dgm:txEffectClrLst/>
-  </dgm:styleLbl>
-  <dgm:styleLbl name="parChTrans1D2">
-    <dgm:fillClrLst meth="repeat">
-      <a:schemeClr val="accent2"/>
-    </dgm:fillClrLst>
-    <dgm:linClrLst meth="repeat">
-      <a:schemeClr val="accent2">
-        <a:shade val="60000"/>
-      </a:schemeClr>
-    </dgm:linClrLst>
-    <dgm:effectClrLst/>
-    <dgm:txLinClrLst/>
-    <dgm:txFillClrLst meth="repeat">
-      <a:schemeClr val="tx1"/>
-    </dgm:txFillClrLst>
-    <dgm:txEffectClrLst/>
-  </dgm:styleLbl>
-  <dgm:styleLbl name="parChTrans1D3">
-    <dgm:fillClrLst meth="repeat">
-      <a:schemeClr val="accent2"/>
-    </dgm:fillClrLst>
-    <dgm:linClrLst meth="repeat">
-      <a:schemeClr val="accent2">
-        <a:shade val="80000"/>
-      </a:schemeClr>
-    </dgm:linClrLst>
-    <dgm:effectClrLst/>
-    <dgm:txLinClrLst/>
-    <dgm:txFillClrLst meth="repeat">
-      <a:schemeClr val="tx1"/>
-    </dgm:txFillClrLst>
-    <dgm:txEffectClrLst/>
-  </dgm:styleLbl>
-  <dgm:styleLbl name="parChTrans1D4">
-    <dgm:fillClrLst meth="repeat">
-      <a:schemeClr val="accent2"/>
-    </dgm:fillClrLst>
-    <dgm:linClrLst meth="repeat">
-      <a:schemeClr val="accent2">
-        <a:shade val="80000"/>
-      </a:schemeClr>
-    </dgm:linClrLst>
-    <dgm:effectClrLst/>
-    <dgm:txLinClrLst/>
-    <dgm:txFillClrLst meth="repeat">
-      <a:schemeClr val="tx1"/>
-    </dgm:txFillClrLst>
-    <dgm:txEffectClrLst/>
-  </dgm:styleLbl>
-  <dgm:styleLbl name="fgAcc1">
-    <dgm:fillClrLst meth="repeat">
-      <a:schemeClr val="lt1">
-        <a:alpha val="90000"/>
-      </a:schemeClr>
-    </dgm:fillClrLst>
-    <dgm:linClrLst meth="repeat">
-      <a:schemeClr val="accent2"/>
-    </dgm:linClrLst>
-    <dgm:effectClrLst/>
-    <dgm:txLinClrLst/>
-    <dgm:txFillClrLst meth="repeat">
-      <a:schemeClr val="dk1"/>
-    </dgm:txFillClrLst>
-    <dgm:txEffectClrLst/>
-  </dgm:styleLbl>
-  <dgm:styleLbl name="conFgAcc1">
-    <dgm:fillClrLst meth="repeat">
-      <a:schemeClr val="lt1">
-        <a:alpha val="90000"/>
-      </a:schemeClr>
-    </dgm:fillClrLst>
-    <dgm:linClrLst meth="repeat">
-      <a:schemeClr val="accent2"/>
-    </dgm:linClrLst>
-    <dgm:effectClrLst/>
-    <dgm:txLinClrLst/>
-    <dgm:txFillClrLst meth="repeat">
-      <a:schemeClr val="dk1"/>
-    </dgm:txFillClrLst>
-    <dgm:txEffectClrLst/>
-  </dgm:styleLbl>
-  <dgm:styleLbl name="alignAcc1">
-    <dgm:fillClrLst meth="repeat">
-      <a:schemeClr val="lt1">
-        <a:alpha val="90000"/>
-      </a:schemeClr>
-    </dgm:fillClrLst>
-    <dgm:linClrLst meth="repeat">
-      <a:schemeClr val="accent2"/>
-    </dgm:linClrLst>
-    <dgm:effectClrLst/>
-    <dgm:txLinClrLst/>
-    <dgm:txFillClrLst meth="repeat">
-      <a:schemeClr val="dk1"/>
-    </dgm:txFillClrLst>
-    <dgm:txEffectClrLst/>
-  </dgm:styleLbl>
-  <dgm:styleLbl name="trAlignAcc1">
-    <dgm:fillClrLst meth="repeat">
-      <a:schemeClr val="lt1">
-        <a:alpha val="40000"/>
-      </a:schemeClr>
-    </dgm:fillClrLst>
-    <dgm:linClrLst meth="repeat">
-      <a:schemeClr val="accent2"/>
-    </dgm:linClrLst>
-    <dgm:effectClrLst/>
-    <dgm:txLinClrLst/>
-    <dgm:txFillClrLst meth="repeat">
-      <a:schemeClr val="dk1"/>
-    </dgm:txFillClrLst>
-    <dgm:txEffectClrLst/>
-  </dgm:styleLbl>
-  <dgm:styleLbl name="bgAcc1">
-    <dgm:fillClrLst meth="repeat">
-      <a:schemeClr val="lt1">
-        <a:alpha val="90000"/>
-      </a:schemeClr>
-    </dgm:fillClrLst>
-    <dgm:linClrLst meth="repeat">
-      <a:schemeClr val="accent2"/>
-    </dgm:linClrLst>
-    <dgm:effectClrLst/>
-    <dgm:txLinClrLst/>
-    <dgm:txFillClrLst meth="repeat">
-      <a:schemeClr val="dk1"/>
-    </dgm:txFillClrLst>
-    <dgm:txEffectClrLst/>
-  </dgm:styleLbl>
-  <dgm:styleLbl name="solidFgAcc1">
-    <dgm:fillClrLst meth="repeat">
-      <a:schemeClr val="lt1"/>
-    </dgm:fillClrLst>
-    <dgm:linClrLst meth="repeat">
-      <a:schemeClr val="accent2"/>
-    </dgm:linClrLst>
-    <dgm:effectClrLst/>
-    <dgm:txLinClrLst/>
-    <dgm:txFillClrLst meth="repeat">
-      <a:schemeClr val="dk1"/>
-    </dgm:txFillClrLst>
-    <dgm:txEffectClrLst/>
-  </dgm:styleLbl>
-  <dgm:styleLbl name="solidAlignAcc1">
-    <dgm:fillClrLst meth="repeat">
-      <a:schemeClr val="lt1"/>
-    </dgm:fillClrLst>
-    <dgm:linClrLst meth="repeat">
-      <a:schemeClr val="accent2"/>
-    </dgm:linClrLst>
-    <dgm:effectClrLst/>
-    <dgm:txLinClrLst/>
-    <dgm:txFillClrLst meth="repeat">
-      <a:schemeClr val="dk1"/>
-    </dgm:txFillClrLst>
-    <dgm:txEffectClrLst/>
-  </dgm:styleLbl>
-  <dgm:styleLbl name="solidBgAcc1">
-    <dgm:fillClrLst meth="repeat">
-      <a:schemeClr val="lt1"/>
-    </dgm:fillClrLst>
-    <dgm:linClrLst meth="repeat">
-      <a:schemeClr val="accent2"/>
-    </dgm:linClrLst>
-    <dgm:effectClrLst/>
-    <dgm:txLinClrLst/>
-    <dgm:txFillClrLst meth="repeat">
-      <a:schemeClr val="dk1"/>
-    </dgm:txFillClrLst>
-    <dgm:txEffectClrLst/>
-  </dgm:styleLbl>
-  <dgm:styleLbl name="fgAccFollowNode1">
-    <dgm:fillClrLst meth="repeat">
-      <a:schemeClr val="accent2">
-        <a:alpha val="90000"/>
-        <a:tint val="40000"/>
-      </a:schemeClr>
-    </dgm:fillClrLst>
-    <dgm:linClrLst meth="repeat">
-      <a:schemeClr val="accent2">
-        <a:alpha val="90000"/>
-        <a:tint val="40000"/>
-      </a:schemeClr>
-    </dgm:linClrLst>
-    <dgm:effectClrLst/>
-    <dgm:txLinClrLst/>
-    <dgm:txFillClrLst meth="repeat">
-      <a:schemeClr val="dk1"/>
-    </dgm:txFillClrLst>
-    <dgm:txEffectClrLst/>
-  </dgm:styleLbl>
-  <dgm:styleLbl name="alignAccFollowNode1">
-    <dgm:fillClrLst meth="repeat">
-      <a:schemeClr val="accent2">
-        <a:alpha val="90000"/>
-        <a:tint val="40000"/>
-      </a:schemeClr>
-    </dgm:fillClrLst>
-    <dgm:linClrLst meth="repeat">
-      <a:schemeClr val="accent2">
-        <a:alpha val="90000"/>
-        <a:tint val="40000"/>
-      </a:schemeClr>
-    </dgm:linClrLst>
-    <dgm:effectClrLst/>
-    <dgm:txLinClrLst/>
-    <dgm:txFillClrLst meth="repeat">
-      <a:schemeClr val="dk1"/>
-    </dgm:txFillClrLst>
-    <dgm:txEffectClrLst/>
-  </dgm:styleLbl>
-  <dgm:styleLbl name="bgAccFollowNode1">
-    <dgm:fillClrLst meth="repeat">
-      <a:schemeClr val="accent2">
-        <a:alpha val="90000"/>
-        <a:tint val="40000"/>
-      </a:schemeClr>
-    </dgm:fillClrLst>
-    <dgm:linClrLst meth="repeat">
-      <a:schemeClr val="accent2">
-        <a:alpha val="90000"/>
-        <a:tint val="40000"/>
-      </a:schemeClr>
-    </dgm:linClrLst>
-    <dgm:effectClrLst/>
-    <dgm:txLinClrLst/>
-    <dgm:txFillClrLst meth="repeat">
-      <a:schemeClr val="dk1"/>
-    </dgm:txFillClrLst>
-    <dgm:txEffectClrLst/>
-  </dgm:styleLbl>
-  <dgm:styleLbl name="fgAcc0">
-    <dgm:fillClrLst meth="repeat">
-      <a:schemeClr val="lt1">
-        <a:alpha val="90000"/>
-      </a:schemeClr>
-    </dgm:fillClrLst>
-    <dgm:linClrLst meth="repeat">
-      <a:schemeClr val="accent2"/>
-    </dgm:linClrLst>
-    <dgm:effectClrLst/>
-    <dgm:txLinClrLst/>
-    <dgm:txFillClrLst meth="repeat">
-      <a:schemeClr val="dk1"/>
-    </dgm:txFillClrLst>
-    <dgm:txEffectClrLst/>
-  </dgm:styleLbl>
-  <dgm:styleLbl name="fgAcc2">
-    <dgm:fillClrLst meth="repeat">
-      <a:schemeClr val="lt1">
-        <a:alpha val="90000"/>
-      </a:schemeClr>
-    </dgm:fillClrLst>
-    <dgm:linClrLst meth="repeat">
-      <a:schemeClr val="accent2"/>
-    </dgm:linClrLst>
-    <dgm:effectClrLst/>
-    <dgm:txLinClrLst/>
-    <dgm:txFillClrLst meth="repeat">
-      <a:schemeClr val="dk1"/>
-    </dgm:txFillClrLst>
-    <dgm:txEffectClrLst/>
-  </dgm:styleLbl>
-  <dgm:styleLbl name="fgAcc3">
-    <dgm:fillClrLst meth="repeat">
-      <a:schemeClr val="lt1">
-        <a:alpha val="90000"/>
-      </a:schemeClr>
-    </dgm:fillClrLst>
-    <dgm:linClrLst meth="repeat">
-      <a:schemeClr val="accent2"/>
-    </dgm:linClrLst>
-    <dgm:effectClrLst/>
-    <dgm:txLinClrLst/>
-    <dgm:txFillClrLst meth="repeat">
-      <a:schemeClr val="dk1"/>
-    </dgm:txFillClrLst>
-    <dgm:txEffectClrLst/>
-  </dgm:styleLbl>
-  <dgm:styleLbl name="fgAcc4">
-    <dgm:fillClrLst meth="repeat">
-      <a:schemeClr val="lt1">
-        <a:alpha val="90000"/>
-      </a:schemeClr>
-    </dgm:fillClrLst>
-    <dgm:linClrLst meth="repeat">
-      <a:schemeClr val="accent2"/>
-    </dgm:linClrLst>
-    <dgm:effectClrLst/>
-    <dgm:txLinClrLst/>
-    <dgm:txFillClrLst meth="repeat">
-      <a:schemeClr val="dk1"/>
-    </dgm:txFillClrLst>
-    <dgm:txEffectClrLst/>
-  </dgm:styleLbl>
-  <dgm:styleLbl name="bgShp">
-    <dgm:fillClrLst meth="repeat">
-      <a:schemeClr val="accent2">
-        <a:tint val="40000"/>
-      </a:schemeClr>
-    </dgm:fillClrLst>
-    <dgm:linClrLst meth="repeat">
-      <a:schemeClr val="accent2"/>
-    </dgm:linClrLst>
-    <dgm:effectClrLst/>
-    <dgm:txLinClrLst/>
-    <dgm:txFillClrLst meth="repeat">
-      <a:schemeClr val="dk1"/>
-    </dgm:txFillClrLst>
-    <dgm:txEffectClrLst/>
-  </dgm:styleLbl>
-  <dgm:styleLbl name="dkBgShp">
-    <dgm:fillClrLst meth="repeat">
-      <a:schemeClr val="accent2">
-        <a:shade val="80000"/>
-      </a:schemeClr>
-    </dgm:fillClrLst>
-    <dgm:linClrLst meth="repeat">
-      <a:schemeClr val="accent2"/>
-    </dgm:linClrLst>
-    <dgm:effectClrLst/>
-    <dgm:txLinClrLst/>
-    <dgm:txFillClrLst meth="repeat">
-      <a:schemeClr val="lt1"/>
-    </dgm:txFillClrLst>
-    <dgm:txEffectClrLst/>
-  </dgm:styleLbl>
-  <dgm:styleLbl name="trBgShp">
-    <dgm:fillClrLst meth="repeat">
-      <a:schemeClr val="accent2">
-        <a:tint val="50000"/>
-        <a:alpha val="40000"/>
-      </a:schemeClr>
-    </dgm:fillClrLst>
-    <dgm:linClrLst meth="repeat">
-      <a:schemeClr val="accent2"/>
-    </dgm:linClrLst>
-    <dgm:effectClrLst/>
-    <dgm:txLinClrLst/>
-    <dgm:txFillClrLst meth="repeat">
-      <a:schemeClr val="lt1"/>
-    </dgm:txFillClrLst>
-    <dgm:txEffectClrLst/>
-  </dgm:styleLbl>
-  <dgm:styleLbl name="fgShp">
-    <dgm:fillClrLst meth="repeat">
-      <a:schemeClr val="accent2">
-        <a:tint val="60000"/>
-      </a:schemeClr>
-    </dgm:fillClrLst>
-    <dgm:linClrLst meth="repeat">
-      <a:schemeClr val="lt1"/>
-    </dgm:linClrLst>
-    <dgm:effectClrLst/>
-    <dgm:txLinClrLst/>
-    <dgm:txFillClrLst meth="repeat">
-      <a:schemeClr val="dk1"/>
-    </dgm:txFillClrLst>
-    <dgm:txEffectClrLst/>
-  </dgm:styleLbl>
-  <dgm:styleLbl name="revTx">
-    <dgm:fillClrLst meth="repeat">
-      <a:schemeClr val="lt1">
-        <a:alpha val="0"/>
-      </a:schemeClr>
-    </dgm:fillClrLst>
-    <dgm:linClrLst meth="repeat">
-      <a:schemeClr val="dk1">
-        <a:alpha val="0"/>
-      </a:schemeClr>
-    </dgm:linClrLst>
-    <dgm:effectClrLst/>
-    <dgm:txLinClrLst/>
-    <dgm:txFillClrLst meth="repeat">
-      <a:schemeClr val="tx1"/>
-    </dgm:txFillClrLst>
-    <dgm:txEffectClrLst/>
-  </dgm:styleLbl>
-</dgm:colorsDef>
-</file>
-
-<file path=ppt/diagrams/colors3.xml><?xml version="1.0" encoding="utf-8"?>
 <dgm:colorsDef xmlns:dgm="http://schemas.openxmlformats.org/drawingml/2006/diagram" xmlns:a="http://schemas.openxmlformats.org/drawingml/2006/main" uniqueId="urn:microsoft.com/office/officeart/2005/8/colors/accent5_2">
   <dgm:title val=""/>
   <dgm:desc val=""/>
@@ -2476,6 +1729,20 @@
             <a:rPr lang="en-US" altLang="zh-TW" dirty="0"/>
             <a:t>Preprocessor</a:t>
           </a:r>
+          <a:br>
+            <a:rPr lang="en-US" altLang="zh-TW" dirty="0"/>
+          </a:br>
+          <a:r>
+            <a:rPr lang="en-US" altLang="zh-TW" dirty="0"/>
+            <a:t>&amp;</a:t>
+          </a:r>
+          <a:br>
+            <a:rPr lang="en-US" altLang="zh-TW" dirty="0"/>
+          </a:br>
+          <a:r>
+            <a:rPr lang="en-US" altLang="zh-TW" dirty="0"/>
+            <a:t>Compiler</a:t>
+          </a:r>
           <a:endParaRPr lang="zh-TW" altLang="en-US" dirty="0"/>
         </a:p>
       </dgm:t>
@@ -2592,36 +1859,6 @@
 </file>
 
 <file path=ppt/diagrams/data2.xml><?xml version="1.0" encoding="utf-8"?>
-<dgm:dataModel xmlns:dgm="http://schemas.openxmlformats.org/drawingml/2006/diagram" xmlns:a="http://schemas.openxmlformats.org/drawingml/2006/main">
-  <dgm:ptLst>
-    <dgm:pt modelId="{FDF3EF31-FE7B-4D84-B480-5B4DBB8E1511}" type="doc">
-      <dgm:prSet loTypeId="urn:microsoft.com/office/officeart/2005/8/layout/equation2" loCatId="process" qsTypeId="urn:microsoft.com/office/officeart/2005/8/quickstyle/simple1" qsCatId="simple" csTypeId="urn:microsoft.com/office/officeart/2005/8/colors/accent2_2" csCatId="accent2" phldr="1"/>
-      <dgm:spPr/>
-    </dgm:pt>
-    <dgm:pt modelId="{36DCE809-15E2-4285-9056-50276423D401}" type="pres">
-      <dgm:prSet presAssocID="{FDF3EF31-FE7B-4D84-B480-5B4DBB8E1511}" presName="Name0" presStyleCnt="0">
-        <dgm:presLayoutVars>
-          <dgm:dir/>
-          <dgm:resizeHandles val="exact"/>
-        </dgm:presLayoutVars>
-      </dgm:prSet>
-      <dgm:spPr/>
-    </dgm:pt>
-  </dgm:ptLst>
-  <dgm:cxnLst>
-    <dgm:cxn modelId="{D528AB91-89FB-4493-A7DF-EF474C4E2A0A}" type="presOf" srcId="{FDF3EF31-FE7B-4D84-B480-5B4DBB8E1511}" destId="{36DCE809-15E2-4285-9056-50276423D401}" srcOrd="0" destOrd="0" presId="urn:microsoft.com/office/officeart/2005/8/layout/equation2"/>
-  </dgm:cxnLst>
-  <dgm:bg/>
-  <dgm:whole/>
-  <dgm:extLst>
-    <a:ext uri="http://schemas.microsoft.com/office/drawing/2008/diagram">
-      <dsp:dataModelExt xmlns:dsp="http://schemas.microsoft.com/office/drawing/2008/diagram" relId="rId11" minVer="http://schemas.openxmlformats.org/drawingml/2006/diagram"/>
-    </a:ext>
-  </dgm:extLst>
-</dgm:dataModel>
-</file>
-
-<file path=ppt/diagrams/data3.xml><?xml version="1.0" encoding="utf-8"?>
 <dgm:dataModel xmlns:dgm="http://schemas.openxmlformats.org/drawingml/2006/diagram" xmlns:a="http://schemas.openxmlformats.org/drawingml/2006/main">
   <dgm:ptLst>
     <dgm:pt modelId="{8071E10A-D689-4B51-BF5C-F523D38227AD}" type="doc">
@@ -3247,6 +2484,20 @@
             <a:rPr lang="en-US" altLang="zh-TW" sz="2100" kern="1200" dirty="0"/>
             <a:t>Preprocessor</a:t>
           </a:r>
+          <a:br>
+            <a:rPr lang="en-US" altLang="zh-TW" sz="2100" kern="1200" dirty="0"/>
+          </a:br>
+          <a:r>
+            <a:rPr lang="en-US" altLang="zh-TW" sz="2100" kern="1200" dirty="0"/>
+            <a:t>&amp;</a:t>
+          </a:r>
+          <a:br>
+            <a:rPr lang="en-US" altLang="zh-TW" sz="2100" kern="1200" dirty="0"/>
+          </a:br>
+          <a:r>
+            <a:rPr lang="en-US" altLang="zh-TW" sz="2100" kern="1200" dirty="0"/>
+            <a:t>Compiler</a:t>
+          </a:r>
           <a:endParaRPr lang="zh-TW" altLang="en-US" sz="2100" kern="1200" dirty="0"/>
         </a:p>
       </dsp:txBody>
@@ -3260,18 +2511,6 @@
 </file>
 
 <file path=ppt/diagrams/drawing2.xml><?xml version="1.0" encoding="utf-8"?>
-<dsp:drawing xmlns:dgm="http://schemas.openxmlformats.org/drawingml/2006/diagram" xmlns:dsp="http://schemas.microsoft.com/office/drawing/2008/diagram" xmlns:a="http://schemas.openxmlformats.org/drawingml/2006/main">
-  <dsp:spTree>
-    <dsp:nvGrpSpPr>
-      <dsp:cNvPr id="0" name=""/>
-      <dsp:cNvGrpSpPr/>
-    </dsp:nvGrpSpPr>
-    <dsp:grpSpPr/>
-  </dsp:spTree>
-</dsp:drawing>
-</file>
-
-<file path=ppt/diagrams/drawing3.xml><?xml version="1.0" encoding="utf-8"?>
 <dsp:drawing xmlns:dgm="http://schemas.openxmlformats.org/drawingml/2006/diagram" xmlns:dsp="http://schemas.microsoft.com/office/drawing/2008/diagram" xmlns:a="http://schemas.openxmlformats.org/drawingml/2006/main">
   <dsp:spTree>
     <dsp:nvGrpSpPr>
@@ -4220,271 +3459,6 @@
 </dgm:layoutDef>
 </file>
 
-<file path=ppt/diagrams/layout3.xml><?xml version="1.0" encoding="utf-8"?>
-<dgm:layoutDef xmlns:dgm="http://schemas.openxmlformats.org/drawingml/2006/diagram" xmlns:a="http://schemas.openxmlformats.org/drawingml/2006/main" uniqueId="urn:microsoft.com/office/officeart/2005/8/layout/equation2">
-  <dgm:title val=""/>
-  <dgm:desc val=""/>
-  <dgm:catLst>
-    <dgm:cat type="relationship" pri="18000"/>
-    <dgm:cat type="process" pri="26000"/>
-  </dgm:catLst>
-  <dgm:sampData useDef="1">
-    <dgm:dataModel>
-      <dgm:ptLst/>
-      <dgm:bg/>
-      <dgm:whole/>
-    </dgm:dataModel>
-  </dgm:sampData>
-  <dgm:styleData>
-    <dgm:dataModel>
-      <dgm:ptLst>
-        <dgm:pt modelId="0" type="doc"/>
-        <dgm:pt modelId="1"/>
-        <dgm:pt modelId="2"/>
-      </dgm:ptLst>
-      <dgm:cxnLst>
-        <dgm:cxn modelId="3" srcId="0" destId="1" srcOrd="0" destOrd="0"/>
-        <dgm:cxn modelId="4" srcId="0" destId="2" srcOrd="1" destOrd="0"/>
-      </dgm:cxnLst>
-      <dgm:bg/>
-      <dgm:whole/>
-    </dgm:dataModel>
-  </dgm:styleData>
-  <dgm:clrData>
-    <dgm:dataModel>
-      <dgm:ptLst>
-        <dgm:pt modelId="0" type="doc"/>
-        <dgm:pt modelId="1"/>
-        <dgm:pt modelId="2"/>
-        <dgm:pt modelId="3"/>
-        <dgm:pt modelId="4"/>
-      </dgm:ptLst>
-      <dgm:cxnLst>
-        <dgm:cxn modelId="5" srcId="0" destId="1" srcOrd="0" destOrd="0"/>
-        <dgm:cxn modelId="6" srcId="0" destId="2" srcOrd="1" destOrd="0"/>
-        <dgm:cxn modelId="7" srcId="0" destId="3" srcOrd="2" destOrd="0"/>
-        <dgm:cxn modelId="8" srcId="0" destId="4" srcOrd="3" destOrd="0"/>
-      </dgm:cxnLst>
-      <dgm:bg/>
-      <dgm:whole/>
-    </dgm:dataModel>
-  </dgm:clrData>
-  <dgm:layoutNode name="Name0">
-    <dgm:varLst>
-      <dgm:dir/>
-      <dgm:resizeHandles val="exact"/>
-    </dgm:varLst>
-    <dgm:choose name="Name1">
-      <dgm:if name="Name2" func="var" arg="dir" op="equ" val="norm">
-        <dgm:alg type="lin">
-          <dgm:param type="linDir" val="fromL"/>
-          <dgm:param type="fallback" val="2D"/>
-        </dgm:alg>
-      </dgm:if>
-      <dgm:else name="Name3">
-        <dgm:alg type="lin">
-          <dgm:param type="linDir" val="fromR"/>
-          <dgm:param type="fallback" val="2D"/>
-        </dgm:alg>
-      </dgm:else>
-    </dgm:choose>
-    <dgm:shape xmlns:r="http://schemas.openxmlformats.org/officeDocument/2006/relationships" r:blip="">
-      <dgm:adjLst/>
-    </dgm:shape>
-    <dgm:presOf/>
-    <dgm:choose name="Name4">
-      <dgm:if name="Name5" axis="ch" ptType="node" func="cnt" op="gte" val="3">
-        <dgm:constrLst>
-          <dgm:constr type="h" for="des" forName="node" refType="w" fact="0.5"/>
-          <dgm:constr type="w" for="ch" forName="lastNode" refType="w"/>
-          <dgm:constr type="w" for="des" forName="node" refType="h" refFor="des" refForName="node"/>
-          <dgm:constr type="w" for="ch" forName="sibTransLast" refType="h" refFor="des" refForName="node" fact="0.6"/>
-          <dgm:constr type="h" for="des" forName="sibTrans" refType="h" refFor="des" refForName="node" op="equ" fact="0.58"/>
-          <dgm:constr type="w" for="des" forName="sibTrans" refType="h" refFor="des" refForName="sibTrans" op="equ"/>
-          <dgm:constr type="primFontSz" for="ch" forName="lastNode" op="equ" val="65"/>
-          <dgm:constr type="primFontSz" for="des" forName="node" op="equ" val="65"/>
-          <dgm:constr type="primFontSz" for="des" forName="sibTrans" val="55"/>
-          <dgm:constr type="primFontSz" for="des" forName="sibTrans" refType="primFontSz" refFor="des" refForName="node" op="lte" fact="0.8"/>
-          <dgm:constr type="primFontSz" for="des" forName="connectorText" refType="primFontSz" refFor="des" refForName="node" op="lte" fact="0.8"/>
-          <dgm:constr type="primFontSz" for="des" forName="connectorText" refType="primFontSz" refFor="des" refForName="sibTrans" op="equ"/>
-          <dgm:constr type="h" for="des" forName="spacerT" refType="h" refFor="des" refForName="sibTrans" fact="0.14"/>
-          <dgm:constr type="h" for="des" forName="spacerB" refType="h" refFor="des" refForName="sibTrans" fact="0.14"/>
-        </dgm:constrLst>
-      </dgm:if>
-      <dgm:else name="Name6">
-        <dgm:constrLst>
-          <dgm:constr type="h" for="des" forName="node" refType="w"/>
-          <dgm:constr type="w" for="ch" forName="lastNode" refType="w"/>
-          <dgm:constr type="w" for="des" forName="node" refType="h" refFor="des" refForName="node"/>
-          <dgm:constr type="w" for="ch" forName="sibTransLast" refType="h" refFor="des" refForName="node" fact="0.6"/>
-          <dgm:constr type="h" for="des" forName="sibTrans" refType="h" refFor="des" refForName="node" op="equ" fact="0.58"/>
-          <dgm:constr type="w" for="des" forName="sibTrans" refType="h" refFor="des" refForName="sibTrans" op="equ"/>
-          <dgm:constr type="primFontSz" for="des" forName="node" val="65"/>
-          <dgm:constr type="primFontSz" for="ch" forName="lastNode" refType="primFontSz" refFor="des" refForName="node" op="equ"/>
-          <dgm:constr type="primFontSz" for="des" forName="sibTrans" val="55"/>
-          <dgm:constr type="primFontSz" for="des" forName="connectorText" refType="primFontSz" refFor="des" refForName="node" op="lte" fact="0.8"/>
-          <dgm:constr type="primFontSz" for="des" forName="connectorText" refType="primFontSz" refFor="des" refForName="sibTrans" op="equ"/>
-          <dgm:constr type="h" for="des" forName="spacerT" refType="h" refFor="des" refForName="sibTrans" fact="0.14"/>
-          <dgm:constr type="h" for="des" forName="spacerB" refType="h" refFor="des" refForName="sibTrans" fact="0.14"/>
-        </dgm:constrLst>
-      </dgm:else>
-    </dgm:choose>
-    <dgm:ruleLst/>
-    <dgm:choose name="Name7">
-      <dgm:if name="Name8" axis="ch" ptType="node" func="cnt" op="gte" val="1">
-        <dgm:layoutNode name="vNodes">
-          <dgm:alg type="lin">
-            <dgm:param type="linDir" val="fromT"/>
-            <dgm:param type="fallback" val="2D"/>
-          </dgm:alg>
-          <dgm:shape xmlns:r="http://schemas.openxmlformats.org/officeDocument/2006/relationships" r:blip="">
-            <dgm:adjLst/>
-          </dgm:shape>
-          <dgm:presOf/>
-          <dgm:constrLst/>
-          <dgm:ruleLst/>
-          <dgm:forEach name="Name9" axis="ch" ptType="node">
-            <dgm:choose name="Name10">
-              <dgm:if name="Name11" axis="self" func="revPos" op="neq" val="1">
-                <dgm:layoutNode name="node">
-                  <dgm:varLst>
-                    <dgm:bulletEnabled val="1"/>
-                  </dgm:varLst>
-                  <dgm:alg type="tx">
-                    <dgm:param type="txAnchorVertCh" val="mid"/>
-                  </dgm:alg>
-                  <dgm:shape xmlns:r="http://schemas.openxmlformats.org/officeDocument/2006/relationships" type="ellipse" r:blip="">
-                    <dgm:adjLst/>
-                  </dgm:shape>
-                  <dgm:presOf axis="desOrSelf" ptType="node"/>
-                  <dgm:constrLst>
-                    <dgm:constr type="tMarg" refType="primFontSz" fact="0.1"/>
-                    <dgm:constr type="bMarg" refType="primFontSz" fact="0.1"/>
-                    <dgm:constr type="lMarg" refType="primFontSz" fact="0.1"/>
-                    <dgm:constr type="rMarg" refType="primFontSz" fact="0.1"/>
-                  </dgm:constrLst>
-                  <dgm:ruleLst>
-                    <dgm:rule type="primFontSz" val="5" fact="NaN" max="NaN"/>
-                  </dgm:ruleLst>
-                </dgm:layoutNode>
-                <dgm:choose name="Name12">
-                  <dgm:if name="Name13" axis="self" ptType="node" func="revPos" op="gt" val="2">
-                    <dgm:forEach name="sibTransForEach" axis="followSib" ptType="sibTrans" cnt="1">
-                      <dgm:layoutNode name="spacerT">
-                        <dgm:alg type="sp"/>
-                        <dgm:shape xmlns:r="http://schemas.openxmlformats.org/officeDocument/2006/relationships" r:blip="">
-                          <dgm:adjLst/>
-                        </dgm:shape>
-                        <dgm:presOf axis="self"/>
-                        <dgm:constrLst/>
-                        <dgm:ruleLst/>
-                      </dgm:layoutNode>
-                      <dgm:layoutNode name="sibTrans">
-                        <dgm:alg type="tx"/>
-                        <dgm:shape xmlns:r="http://schemas.openxmlformats.org/officeDocument/2006/relationships" type="mathPlus" r:blip="">
-                          <dgm:adjLst/>
-                        </dgm:shape>
-                        <dgm:presOf axis="self"/>
-                        <dgm:constrLst>
-                          <dgm:constr type="h" refType="w"/>
-                          <dgm:constr type="lMarg"/>
-                          <dgm:constr type="rMarg"/>
-                          <dgm:constr type="tMarg"/>
-                          <dgm:constr type="bMarg"/>
-                        </dgm:constrLst>
-                        <dgm:ruleLst>
-                          <dgm:rule type="primFontSz" val="5" fact="NaN" max="NaN"/>
-                        </dgm:ruleLst>
-                      </dgm:layoutNode>
-                      <dgm:layoutNode name="spacerB">
-                        <dgm:alg type="sp"/>
-                        <dgm:shape xmlns:r="http://schemas.openxmlformats.org/officeDocument/2006/relationships" r:blip="">
-                          <dgm:adjLst/>
-                        </dgm:shape>
-                        <dgm:presOf axis="self"/>
-                        <dgm:constrLst/>
-                        <dgm:ruleLst/>
-                      </dgm:layoutNode>
-                    </dgm:forEach>
-                  </dgm:if>
-                  <dgm:else name="Name14"/>
-                </dgm:choose>
-              </dgm:if>
-              <dgm:else name="Name15"/>
-            </dgm:choose>
-          </dgm:forEach>
-        </dgm:layoutNode>
-        <dgm:choose name="Name16">
-          <dgm:if name="Name17" axis="ch" ptType="node" func="cnt" op="gt" val="1">
-            <dgm:layoutNode name="sibTransLast">
-              <dgm:alg type="conn">
-                <dgm:param type="begPts" val="auto"/>
-                <dgm:param type="endPts" val="auto"/>
-                <dgm:param type="srcNode" val="vNodes"/>
-                <dgm:param type="dstNode" val="lastNode"/>
-              </dgm:alg>
-              <dgm:shape xmlns:r="http://schemas.openxmlformats.org/officeDocument/2006/relationships" type="conn" r:blip="">
-                <dgm:adjLst/>
-              </dgm:shape>
-              <dgm:presOf axis="ch" ptType="sibTrans" st="-1" cnt="1"/>
-              <dgm:constrLst>
-                <dgm:constr type="h" refType="w" fact="0.62"/>
-                <dgm:constr type="connDist"/>
-                <dgm:constr type="begPad" refType="connDist" fact="0.25"/>
-                <dgm:constr type="endPad" refType="connDist" fact="0.22"/>
-              </dgm:constrLst>
-              <dgm:ruleLst/>
-              <dgm:layoutNode name="connectorText">
-                <dgm:alg type="tx">
-                  <dgm:param type="autoTxRot" val="grav"/>
-                </dgm:alg>
-                <dgm:shape xmlns:r="http://schemas.openxmlformats.org/officeDocument/2006/relationships" type="conn" r:blip="" hideGeom="1">
-                  <dgm:adjLst/>
-                </dgm:shape>
-                <dgm:presOf axis="ch desOrSelf" ptType="sibTrans sibTrans" st="-1 1" cnt="1 0"/>
-                <dgm:constrLst>
-                  <dgm:constr type="lMarg"/>
-                  <dgm:constr type="rMarg"/>
-                  <dgm:constr type="tMarg"/>
-                  <dgm:constr type="bMarg"/>
-                </dgm:constrLst>
-                <dgm:ruleLst>
-                  <dgm:rule type="primFontSz" val="5" fact="NaN" max="NaN"/>
-                </dgm:ruleLst>
-              </dgm:layoutNode>
-            </dgm:layoutNode>
-          </dgm:if>
-          <dgm:else name="Name18"/>
-        </dgm:choose>
-        <dgm:layoutNode name="lastNode">
-          <dgm:varLst>
-            <dgm:bulletEnabled val="1"/>
-          </dgm:varLst>
-          <dgm:alg type="tx">
-            <dgm:param type="txAnchorVertCh" val="mid"/>
-          </dgm:alg>
-          <dgm:shape xmlns:r="http://schemas.openxmlformats.org/officeDocument/2006/relationships" type="ellipse" r:blip="">
-            <dgm:adjLst/>
-          </dgm:shape>
-          <dgm:presOf axis="ch desOrSelf" ptType="node node" st="-1 1" cnt="1 0"/>
-          <dgm:constrLst>
-            <dgm:constr type="h" refType="w"/>
-            <dgm:constr type="tMarg" refType="primFontSz" fact="0.1"/>
-            <dgm:constr type="bMarg" refType="primFontSz" fact="0.1"/>
-            <dgm:constr type="lMarg" refType="primFontSz" fact="0.1"/>
-            <dgm:constr type="rMarg" refType="primFontSz" fact="0.1"/>
-          </dgm:constrLst>
-          <dgm:ruleLst>
-            <dgm:rule type="primFontSz" val="5" fact="NaN" max="NaN"/>
-          </dgm:ruleLst>
-        </dgm:layoutNode>
-      </dgm:if>
-      <dgm:else name="Name19"/>
-    </dgm:choose>
-  </dgm:layoutNode>
-</dgm:layoutDef>
-</file>
-
 <file path=ppt/diagrams/quickStyle1.xml><?xml version="1.0" encoding="utf-8"?>
 <dgm:styleDef xmlns:dgm="http://schemas.openxmlformats.org/drawingml/2006/diagram" xmlns:a="http://schemas.openxmlformats.org/drawingml/2006/main" uniqueId="urn:microsoft.com/office/officeart/2005/8/quickstyle/simple1">
   <dgm:title val=""/>
@@ -5520,1040 +4494,6 @@
 </file>
 
 <file path=ppt/diagrams/quickStyle2.xml><?xml version="1.0" encoding="utf-8"?>
-<dgm:styleDef xmlns:dgm="http://schemas.openxmlformats.org/drawingml/2006/diagram" xmlns:a="http://schemas.openxmlformats.org/drawingml/2006/main" uniqueId="urn:microsoft.com/office/officeart/2005/8/quickstyle/simple1">
-  <dgm:title val=""/>
-  <dgm:desc val=""/>
-  <dgm:catLst>
-    <dgm:cat type="simple" pri="10100"/>
-  </dgm:catLst>
-  <dgm:scene3d>
-    <a:camera prst="orthographicFront"/>
-    <a:lightRig rig="threePt" dir="t"/>
-  </dgm:scene3d>
-  <dgm:styleLbl name="node0">
-    <dgm:scene3d>
-      <a:camera prst="orthographicFront"/>
-      <a:lightRig rig="threePt" dir="t"/>
-    </dgm:scene3d>
-    <dgm:sp3d/>
-    <dgm:txPr/>
-    <dgm:style>
-      <a:lnRef idx="2">
-        <a:scrgbClr r="0" g="0" b="0"/>
-      </a:lnRef>
-      <a:fillRef idx="1">
-        <a:scrgbClr r="0" g="0" b="0"/>
-      </a:fillRef>
-      <a:effectRef idx="0">
-        <a:scrgbClr r="0" g="0" b="0"/>
-      </a:effectRef>
-      <a:fontRef idx="minor">
-        <a:schemeClr val="lt1"/>
-      </a:fontRef>
-    </dgm:style>
-  </dgm:styleLbl>
-  <dgm:styleLbl name="lnNode1">
-    <dgm:scene3d>
-      <a:camera prst="orthographicFront"/>
-      <a:lightRig rig="threePt" dir="t"/>
-    </dgm:scene3d>
-    <dgm:sp3d/>
-    <dgm:txPr/>
-    <dgm:style>
-      <a:lnRef idx="2">
-        <a:scrgbClr r="0" g="0" b="0"/>
-      </a:lnRef>
-      <a:fillRef idx="1">
-        <a:scrgbClr r="0" g="0" b="0"/>
-      </a:fillRef>
-      <a:effectRef idx="0">
-        <a:scrgbClr r="0" g="0" b="0"/>
-      </a:effectRef>
-      <a:fontRef idx="minor">
-        <a:schemeClr val="lt1"/>
-      </a:fontRef>
-    </dgm:style>
-  </dgm:styleLbl>
-  <dgm:styleLbl name="vennNode1">
-    <dgm:scene3d>
-      <a:camera prst="orthographicFront"/>
-      <a:lightRig rig="threePt" dir="t"/>
-    </dgm:scene3d>
-    <dgm:sp3d/>
-    <dgm:txPr/>
-    <dgm:style>
-      <a:lnRef idx="2">
-        <a:scrgbClr r="0" g="0" b="0"/>
-      </a:lnRef>
-      <a:fillRef idx="1">
-        <a:scrgbClr r="0" g="0" b="0"/>
-      </a:fillRef>
-      <a:effectRef idx="0">
-        <a:scrgbClr r="0" g="0" b="0"/>
-      </a:effectRef>
-      <a:fontRef idx="minor">
-        <a:schemeClr val="tx1"/>
-      </a:fontRef>
-    </dgm:style>
-  </dgm:styleLbl>
-  <dgm:styleLbl name="alignNode1">
-    <dgm:scene3d>
-      <a:camera prst="orthographicFront"/>
-      <a:lightRig rig="threePt" dir="t"/>
-    </dgm:scene3d>
-    <dgm:sp3d/>
-    <dgm:txPr/>
-    <dgm:style>
-      <a:lnRef idx="2">
-        <a:scrgbClr r="0" g="0" b="0"/>
-      </a:lnRef>
-      <a:fillRef idx="1">
-        <a:scrgbClr r="0" g="0" b="0"/>
-      </a:fillRef>
-      <a:effectRef idx="0">
-        <a:scrgbClr r="0" g="0" b="0"/>
-      </a:effectRef>
-      <a:fontRef idx="minor">
-        <a:schemeClr val="lt1"/>
-      </a:fontRef>
-    </dgm:style>
-  </dgm:styleLbl>
-  <dgm:styleLbl name="node1">
-    <dgm:scene3d>
-      <a:camera prst="orthographicFront"/>
-      <a:lightRig rig="threePt" dir="t"/>
-    </dgm:scene3d>
-    <dgm:sp3d/>
-    <dgm:txPr/>
-    <dgm:style>
-      <a:lnRef idx="2">
-        <a:scrgbClr r="0" g="0" b="0"/>
-      </a:lnRef>
-      <a:fillRef idx="1">
-        <a:scrgbClr r="0" g="0" b="0"/>
-      </a:fillRef>
-      <a:effectRef idx="0">
-        <a:scrgbClr r="0" g="0" b="0"/>
-      </a:effectRef>
-      <a:fontRef idx="minor">
-        <a:schemeClr val="lt1"/>
-      </a:fontRef>
-    </dgm:style>
-  </dgm:styleLbl>
-  <dgm:styleLbl name="node2">
-    <dgm:scene3d>
-      <a:camera prst="orthographicFront"/>
-      <a:lightRig rig="threePt" dir="t"/>
-    </dgm:scene3d>
-    <dgm:sp3d/>
-    <dgm:txPr/>
-    <dgm:style>
-      <a:lnRef idx="2">
-        <a:scrgbClr r="0" g="0" b="0"/>
-      </a:lnRef>
-      <a:fillRef idx="1">
-        <a:scrgbClr r="0" g="0" b="0"/>
-      </a:fillRef>
-      <a:effectRef idx="0">
-        <a:scrgbClr r="0" g="0" b="0"/>
-      </a:effectRef>
-      <a:fontRef idx="minor">
-        <a:schemeClr val="lt1"/>
-      </a:fontRef>
-    </dgm:style>
-  </dgm:styleLbl>
-  <dgm:styleLbl name="node3">
-    <dgm:scene3d>
-      <a:camera prst="orthographicFront"/>
-      <a:lightRig rig="threePt" dir="t"/>
-    </dgm:scene3d>
-    <dgm:sp3d/>
-    <dgm:txPr/>
-    <dgm:style>
-      <a:lnRef idx="2">
-        <a:scrgbClr r="0" g="0" b="0"/>
-      </a:lnRef>
-      <a:fillRef idx="1">
-        <a:scrgbClr r="0" g="0" b="0"/>
-      </a:fillRef>
-      <a:effectRef idx="0">
-        <a:scrgbClr r="0" g="0" b="0"/>
-      </a:effectRef>
-      <a:fontRef idx="minor">
-        <a:schemeClr val="lt1"/>
-      </a:fontRef>
-    </dgm:style>
-  </dgm:styleLbl>
-  <dgm:styleLbl name="node4">
-    <dgm:scene3d>
-      <a:camera prst="orthographicFront"/>
-      <a:lightRig rig="threePt" dir="t"/>
-    </dgm:scene3d>
-    <dgm:sp3d/>
-    <dgm:txPr/>
-    <dgm:style>
-      <a:lnRef idx="2">
-        <a:scrgbClr r="0" g="0" b="0"/>
-      </a:lnRef>
-      <a:fillRef idx="1">
-        <a:scrgbClr r="0" g="0" b="0"/>
-      </a:fillRef>
-      <a:effectRef idx="0">
-        <a:scrgbClr r="0" g="0" b="0"/>
-      </a:effectRef>
-      <a:fontRef idx="minor">
-        <a:schemeClr val="lt1"/>
-      </a:fontRef>
-    </dgm:style>
-  </dgm:styleLbl>
-  <dgm:styleLbl name="fgImgPlace1">
-    <dgm:scene3d>
-      <a:camera prst="orthographicFront"/>
-      <a:lightRig rig="threePt" dir="t"/>
-    </dgm:scene3d>
-    <dgm:sp3d/>
-    <dgm:txPr/>
-    <dgm:style>
-      <a:lnRef idx="2">
-        <a:scrgbClr r="0" g="0" b="0"/>
-      </a:lnRef>
-      <a:fillRef idx="1">
-        <a:scrgbClr r="0" g="0" b="0"/>
-      </a:fillRef>
-      <a:effectRef idx="0">
-        <a:scrgbClr r="0" g="0" b="0"/>
-      </a:effectRef>
-      <a:fontRef idx="minor"/>
-    </dgm:style>
-  </dgm:styleLbl>
-  <dgm:styleLbl name="alignImgPlace1">
-    <dgm:scene3d>
-      <a:camera prst="orthographicFront"/>
-      <a:lightRig rig="threePt" dir="t"/>
-    </dgm:scene3d>
-    <dgm:sp3d/>
-    <dgm:txPr/>
-    <dgm:style>
-      <a:lnRef idx="2">
-        <a:scrgbClr r="0" g="0" b="0"/>
-      </a:lnRef>
-      <a:fillRef idx="1">
-        <a:scrgbClr r="0" g="0" b="0"/>
-      </a:fillRef>
-      <a:effectRef idx="0">
-        <a:scrgbClr r="0" g="0" b="0"/>
-      </a:effectRef>
-      <a:fontRef idx="minor"/>
-    </dgm:style>
-  </dgm:styleLbl>
-  <dgm:styleLbl name="bgImgPlace1">
-    <dgm:scene3d>
-      <a:camera prst="orthographicFront"/>
-      <a:lightRig rig="threePt" dir="t"/>
-    </dgm:scene3d>
-    <dgm:sp3d/>
-    <dgm:txPr/>
-    <dgm:style>
-      <a:lnRef idx="2">
-        <a:scrgbClr r="0" g="0" b="0"/>
-      </a:lnRef>
-      <a:fillRef idx="1">
-        <a:scrgbClr r="0" g="0" b="0"/>
-      </a:fillRef>
-      <a:effectRef idx="0">
-        <a:scrgbClr r="0" g="0" b="0"/>
-      </a:effectRef>
-      <a:fontRef idx="minor"/>
-    </dgm:style>
-  </dgm:styleLbl>
-  <dgm:styleLbl name="sibTrans2D1">
-    <dgm:scene3d>
-      <a:camera prst="orthographicFront"/>
-      <a:lightRig rig="threePt" dir="t"/>
-    </dgm:scene3d>
-    <dgm:sp3d/>
-    <dgm:txPr/>
-    <dgm:style>
-      <a:lnRef idx="0">
-        <a:scrgbClr r="0" g="0" b="0"/>
-      </a:lnRef>
-      <a:fillRef idx="1">
-        <a:scrgbClr r="0" g="0" b="0"/>
-      </a:fillRef>
-      <a:effectRef idx="0">
-        <a:scrgbClr r="0" g="0" b="0"/>
-      </a:effectRef>
-      <a:fontRef idx="minor">
-        <a:schemeClr val="lt1"/>
-      </a:fontRef>
-    </dgm:style>
-  </dgm:styleLbl>
-  <dgm:styleLbl name="fgSibTrans2D1">
-    <dgm:scene3d>
-      <a:camera prst="orthographicFront"/>
-      <a:lightRig rig="threePt" dir="t"/>
-    </dgm:scene3d>
-    <dgm:sp3d/>
-    <dgm:txPr/>
-    <dgm:style>
-      <a:lnRef idx="0">
-        <a:scrgbClr r="0" g="0" b="0"/>
-      </a:lnRef>
-      <a:fillRef idx="1">
-        <a:scrgbClr r="0" g="0" b="0"/>
-      </a:fillRef>
-      <a:effectRef idx="0">
-        <a:scrgbClr r="0" g="0" b="0"/>
-      </a:effectRef>
-      <a:fontRef idx="minor">
-        <a:schemeClr val="lt1"/>
-      </a:fontRef>
-    </dgm:style>
-  </dgm:styleLbl>
-  <dgm:styleLbl name="bgSibTrans2D1">
-    <dgm:scene3d>
-      <a:camera prst="orthographicFront"/>
-      <a:lightRig rig="threePt" dir="t"/>
-    </dgm:scene3d>
-    <dgm:sp3d/>
-    <dgm:txPr/>
-    <dgm:style>
-      <a:lnRef idx="0">
-        <a:scrgbClr r="0" g="0" b="0"/>
-      </a:lnRef>
-      <a:fillRef idx="1">
-        <a:scrgbClr r="0" g="0" b="0"/>
-      </a:fillRef>
-      <a:effectRef idx="0">
-        <a:scrgbClr r="0" g="0" b="0"/>
-      </a:effectRef>
-      <a:fontRef idx="minor">
-        <a:schemeClr val="lt1"/>
-      </a:fontRef>
-    </dgm:style>
-  </dgm:styleLbl>
-  <dgm:styleLbl name="sibTrans1D1">
-    <dgm:scene3d>
-      <a:camera prst="orthographicFront"/>
-      <a:lightRig rig="threePt" dir="t"/>
-    </dgm:scene3d>
-    <dgm:sp3d/>
-    <dgm:txPr/>
-    <dgm:style>
-      <a:lnRef idx="1">
-        <a:scrgbClr r="0" g="0" b="0"/>
-      </a:lnRef>
-      <a:fillRef idx="0">
-        <a:scrgbClr r="0" g="0" b="0"/>
-      </a:fillRef>
-      <a:effectRef idx="0">
-        <a:scrgbClr r="0" g="0" b="0"/>
-      </a:effectRef>
-      <a:fontRef idx="minor"/>
-    </dgm:style>
-  </dgm:styleLbl>
-  <dgm:styleLbl name="callout">
-    <dgm:scene3d>
-      <a:camera prst="orthographicFront"/>
-      <a:lightRig rig="threePt" dir="t"/>
-    </dgm:scene3d>
-    <dgm:sp3d/>
-    <dgm:txPr/>
-    <dgm:style>
-      <a:lnRef idx="2">
-        <a:scrgbClr r="0" g="0" b="0"/>
-      </a:lnRef>
-      <a:fillRef idx="1">
-        <a:scrgbClr r="0" g="0" b="0"/>
-      </a:fillRef>
-      <a:effectRef idx="0">
-        <a:scrgbClr r="0" g="0" b="0"/>
-      </a:effectRef>
-      <a:fontRef idx="minor"/>
-    </dgm:style>
-  </dgm:styleLbl>
-  <dgm:styleLbl name="asst0">
-    <dgm:scene3d>
-      <a:camera prst="orthographicFront"/>
-      <a:lightRig rig="threePt" dir="t"/>
-    </dgm:scene3d>
-    <dgm:sp3d/>
-    <dgm:txPr/>
-    <dgm:style>
-      <a:lnRef idx="2">
-        <a:scrgbClr r="0" g="0" b="0"/>
-      </a:lnRef>
-      <a:fillRef idx="1">
-        <a:scrgbClr r="0" g="0" b="0"/>
-      </a:fillRef>
-      <a:effectRef idx="0">
-        <a:scrgbClr r="0" g="0" b="0"/>
-      </a:effectRef>
-      <a:fontRef idx="minor">
-        <a:schemeClr val="lt1"/>
-      </a:fontRef>
-    </dgm:style>
-  </dgm:styleLbl>
-  <dgm:styleLbl name="asst1">
-    <dgm:scene3d>
-      <a:camera prst="orthographicFront"/>
-      <a:lightRig rig="threePt" dir="t"/>
-    </dgm:scene3d>
-    <dgm:sp3d/>
-    <dgm:txPr/>
-    <dgm:style>
-      <a:lnRef idx="2">
-        <a:scrgbClr r="0" g="0" b="0"/>
-      </a:lnRef>
-      <a:fillRef idx="1">
-        <a:scrgbClr r="0" g="0" b="0"/>
-      </a:fillRef>
-      <a:effectRef idx="0">
-        <a:scrgbClr r="0" g="0" b="0"/>
-      </a:effectRef>
-      <a:fontRef idx="minor">
-        <a:schemeClr val="lt1"/>
-      </a:fontRef>
-    </dgm:style>
-  </dgm:styleLbl>
-  <dgm:styleLbl name="asst2">
-    <dgm:scene3d>
-      <a:camera prst="orthographicFront"/>
-      <a:lightRig rig="threePt" dir="t"/>
-    </dgm:scene3d>
-    <dgm:sp3d/>
-    <dgm:txPr/>
-    <dgm:style>
-      <a:lnRef idx="2">
-        <a:scrgbClr r="0" g="0" b="0"/>
-      </a:lnRef>
-      <a:fillRef idx="1">
-        <a:scrgbClr r="0" g="0" b="0"/>
-      </a:fillRef>
-      <a:effectRef idx="0">
-        <a:scrgbClr r="0" g="0" b="0"/>
-      </a:effectRef>
-      <a:fontRef idx="minor">
-        <a:schemeClr val="lt1"/>
-      </a:fontRef>
-    </dgm:style>
-  </dgm:styleLbl>
-  <dgm:styleLbl name="asst3">
-    <dgm:scene3d>
-      <a:camera prst="orthographicFront"/>
-      <a:lightRig rig="threePt" dir="t"/>
-    </dgm:scene3d>
-    <dgm:sp3d/>
-    <dgm:txPr/>
-    <dgm:style>
-      <a:lnRef idx="2">
-        <a:scrgbClr r="0" g="0" b="0"/>
-      </a:lnRef>
-      <a:fillRef idx="1">
-        <a:scrgbClr r="0" g="0" b="0"/>
-      </a:fillRef>
-      <a:effectRef idx="0">
-        <a:scrgbClr r="0" g="0" b="0"/>
-      </a:effectRef>
-      <a:fontRef idx="minor">
-        <a:schemeClr val="lt1"/>
-      </a:fontRef>
-    </dgm:style>
-  </dgm:styleLbl>
-  <dgm:styleLbl name="asst4">
-    <dgm:scene3d>
-      <a:camera prst="orthographicFront"/>
-      <a:lightRig rig="threePt" dir="t"/>
-    </dgm:scene3d>
-    <dgm:sp3d/>
-    <dgm:txPr/>
-    <dgm:style>
-      <a:lnRef idx="2">
-        <a:scrgbClr r="0" g="0" b="0"/>
-      </a:lnRef>
-      <a:fillRef idx="1">
-        <a:scrgbClr r="0" g="0" b="0"/>
-      </a:fillRef>
-      <a:effectRef idx="0">
-        <a:scrgbClr r="0" g="0" b="0"/>
-      </a:effectRef>
-      <a:fontRef idx="minor">
-        <a:schemeClr val="lt1"/>
-      </a:fontRef>
-    </dgm:style>
-  </dgm:styleLbl>
-  <dgm:styleLbl name="parChTrans2D1">
-    <dgm:scene3d>
-      <a:camera prst="orthographicFront"/>
-      <a:lightRig rig="threePt" dir="t"/>
-    </dgm:scene3d>
-    <dgm:sp3d/>
-    <dgm:txPr/>
-    <dgm:style>
-      <a:lnRef idx="2">
-        <a:scrgbClr r="0" g="0" b="0"/>
-      </a:lnRef>
-      <a:fillRef idx="1">
-        <a:scrgbClr r="0" g="0" b="0"/>
-      </a:fillRef>
-      <a:effectRef idx="0">
-        <a:scrgbClr r="0" g="0" b="0"/>
-      </a:effectRef>
-      <a:fontRef idx="minor">
-        <a:schemeClr val="lt1"/>
-      </a:fontRef>
-    </dgm:style>
-  </dgm:styleLbl>
-  <dgm:styleLbl name="parChTrans2D2">
-    <dgm:scene3d>
-      <a:camera prst="orthographicFront"/>
-      <a:lightRig rig="threePt" dir="t"/>
-    </dgm:scene3d>
-    <dgm:sp3d/>
-    <dgm:txPr/>
-    <dgm:style>
-      <a:lnRef idx="2">
-        <a:scrgbClr r="0" g="0" b="0"/>
-      </a:lnRef>
-      <a:fillRef idx="1">
-        <a:scrgbClr r="0" g="0" b="0"/>
-      </a:fillRef>
-      <a:effectRef idx="0">
-        <a:scrgbClr r="0" g="0" b="0"/>
-      </a:effectRef>
-      <a:fontRef idx="minor">
-        <a:schemeClr val="lt1"/>
-      </a:fontRef>
-    </dgm:style>
-  </dgm:styleLbl>
-  <dgm:styleLbl name="parChTrans2D3">
-    <dgm:scene3d>
-      <a:camera prst="orthographicFront"/>
-      <a:lightRig rig="threePt" dir="t"/>
-    </dgm:scene3d>
-    <dgm:sp3d/>
-    <dgm:txPr/>
-    <dgm:style>
-      <a:lnRef idx="2">
-        <a:scrgbClr r="0" g="0" b="0"/>
-      </a:lnRef>
-      <a:fillRef idx="1">
-        <a:scrgbClr r="0" g="0" b="0"/>
-      </a:fillRef>
-      <a:effectRef idx="0">
-        <a:scrgbClr r="0" g="0" b="0"/>
-      </a:effectRef>
-      <a:fontRef idx="minor">
-        <a:schemeClr val="lt1"/>
-      </a:fontRef>
-    </dgm:style>
-  </dgm:styleLbl>
-  <dgm:styleLbl name="parChTrans2D4">
-    <dgm:scene3d>
-      <a:camera prst="orthographicFront"/>
-      <a:lightRig rig="threePt" dir="t"/>
-    </dgm:scene3d>
-    <dgm:sp3d/>
-    <dgm:txPr/>
-    <dgm:style>
-      <a:lnRef idx="2">
-        <a:scrgbClr r="0" g="0" b="0"/>
-      </a:lnRef>
-      <a:fillRef idx="1">
-        <a:scrgbClr r="0" g="0" b="0"/>
-      </a:fillRef>
-      <a:effectRef idx="0">
-        <a:scrgbClr r="0" g="0" b="0"/>
-      </a:effectRef>
-      <a:fontRef idx="minor">
-        <a:schemeClr val="lt1"/>
-      </a:fontRef>
-    </dgm:style>
-  </dgm:styleLbl>
-  <dgm:styleLbl name="parChTrans1D1">
-    <dgm:scene3d>
-      <a:camera prst="orthographicFront"/>
-      <a:lightRig rig="threePt" dir="t"/>
-    </dgm:scene3d>
-    <dgm:sp3d/>
-    <dgm:txPr/>
-    <dgm:style>
-      <a:lnRef idx="2">
-        <a:scrgbClr r="0" g="0" b="0"/>
-      </a:lnRef>
-      <a:fillRef idx="0">
-        <a:scrgbClr r="0" g="0" b="0"/>
-      </a:fillRef>
-      <a:effectRef idx="0">
-        <a:scrgbClr r="0" g="0" b="0"/>
-      </a:effectRef>
-      <a:fontRef idx="minor"/>
-    </dgm:style>
-  </dgm:styleLbl>
-  <dgm:styleLbl name="parChTrans1D2">
-    <dgm:scene3d>
-      <a:camera prst="orthographicFront"/>
-      <a:lightRig rig="threePt" dir="t"/>
-    </dgm:scene3d>
-    <dgm:sp3d/>
-    <dgm:txPr/>
-    <dgm:style>
-      <a:lnRef idx="2">
-        <a:scrgbClr r="0" g="0" b="0"/>
-      </a:lnRef>
-      <a:fillRef idx="0">
-        <a:scrgbClr r="0" g="0" b="0"/>
-      </a:fillRef>
-      <a:effectRef idx="0">
-        <a:scrgbClr r="0" g="0" b="0"/>
-      </a:effectRef>
-      <a:fontRef idx="minor"/>
-    </dgm:style>
-  </dgm:styleLbl>
-  <dgm:styleLbl name="parChTrans1D3">
-    <dgm:scene3d>
-      <a:camera prst="orthographicFront"/>
-      <a:lightRig rig="threePt" dir="t"/>
-    </dgm:scene3d>
-    <dgm:sp3d/>
-    <dgm:txPr/>
-    <dgm:style>
-      <a:lnRef idx="2">
-        <a:scrgbClr r="0" g="0" b="0"/>
-      </a:lnRef>
-      <a:fillRef idx="0">
-        <a:scrgbClr r="0" g="0" b="0"/>
-      </a:fillRef>
-      <a:effectRef idx="0">
-        <a:scrgbClr r="0" g="0" b="0"/>
-      </a:effectRef>
-      <a:fontRef idx="minor"/>
-    </dgm:style>
-  </dgm:styleLbl>
-  <dgm:styleLbl name="parChTrans1D4">
-    <dgm:scene3d>
-      <a:camera prst="orthographicFront"/>
-      <a:lightRig rig="threePt" dir="t"/>
-    </dgm:scene3d>
-    <dgm:sp3d/>
-    <dgm:txPr/>
-    <dgm:style>
-      <a:lnRef idx="2">
-        <a:scrgbClr r="0" g="0" b="0"/>
-      </a:lnRef>
-      <a:fillRef idx="0">
-        <a:scrgbClr r="0" g="0" b="0"/>
-      </a:fillRef>
-      <a:effectRef idx="0">
-        <a:scrgbClr r="0" g="0" b="0"/>
-      </a:effectRef>
-      <a:fontRef idx="minor"/>
-    </dgm:style>
-  </dgm:styleLbl>
-  <dgm:styleLbl name="fgAcc1">
-    <dgm:scene3d>
-      <a:camera prst="orthographicFront"/>
-      <a:lightRig rig="threePt" dir="t"/>
-    </dgm:scene3d>
-    <dgm:sp3d/>
-    <dgm:txPr/>
-    <dgm:style>
-      <a:lnRef idx="2">
-        <a:scrgbClr r="0" g="0" b="0"/>
-      </a:lnRef>
-      <a:fillRef idx="1">
-        <a:scrgbClr r="0" g="0" b="0"/>
-      </a:fillRef>
-      <a:effectRef idx="0">
-        <a:scrgbClr r="0" g="0" b="0"/>
-      </a:effectRef>
-      <a:fontRef idx="minor"/>
-    </dgm:style>
-  </dgm:styleLbl>
-  <dgm:styleLbl name="conFgAcc1">
-    <dgm:scene3d>
-      <a:camera prst="orthographicFront"/>
-      <a:lightRig rig="threePt" dir="t"/>
-    </dgm:scene3d>
-    <dgm:sp3d/>
-    <dgm:txPr/>
-    <dgm:style>
-      <a:lnRef idx="2">
-        <a:scrgbClr r="0" g="0" b="0"/>
-      </a:lnRef>
-      <a:fillRef idx="1">
-        <a:scrgbClr r="0" g="0" b="0"/>
-      </a:fillRef>
-      <a:effectRef idx="0">
-        <a:scrgbClr r="0" g="0" b="0"/>
-      </a:effectRef>
-      <a:fontRef idx="minor"/>
-    </dgm:style>
-  </dgm:styleLbl>
-  <dgm:styleLbl name="alignAcc1">
-    <dgm:scene3d>
-      <a:camera prst="orthographicFront"/>
-      <a:lightRig rig="threePt" dir="t"/>
-    </dgm:scene3d>
-    <dgm:sp3d/>
-    <dgm:txPr/>
-    <dgm:style>
-      <a:lnRef idx="2">
-        <a:scrgbClr r="0" g="0" b="0"/>
-      </a:lnRef>
-      <a:fillRef idx="1">
-        <a:scrgbClr r="0" g="0" b="0"/>
-      </a:fillRef>
-      <a:effectRef idx="0">
-        <a:scrgbClr r="0" g="0" b="0"/>
-      </a:effectRef>
-      <a:fontRef idx="minor"/>
-    </dgm:style>
-  </dgm:styleLbl>
-  <dgm:styleLbl name="trAlignAcc1">
-    <dgm:scene3d>
-      <a:camera prst="orthographicFront"/>
-      <a:lightRig rig="threePt" dir="t"/>
-    </dgm:scene3d>
-    <dgm:sp3d/>
-    <dgm:txPr/>
-    <dgm:style>
-      <a:lnRef idx="1">
-        <a:scrgbClr r="0" g="0" b="0"/>
-      </a:lnRef>
-      <a:fillRef idx="1">
-        <a:scrgbClr r="0" g="0" b="0"/>
-      </a:fillRef>
-      <a:effectRef idx="0">
-        <a:scrgbClr r="0" g="0" b="0"/>
-      </a:effectRef>
-      <a:fontRef idx="minor"/>
-    </dgm:style>
-  </dgm:styleLbl>
-  <dgm:styleLbl name="bgAcc1">
-    <dgm:scene3d>
-      <a:camera prst="orthographicFront"/>
-      <a:lightRig rig="threePt" dir="t"/>
-    </dgm:scene3d>
-    <dgm:sp3d/>
-    <dgm:txPr/>
-    <dgm:style>
-      <a:lnRef idx="2">
-        <a:scrgbClr r="0" g="0" b="0"/>
-      </a:lnRef>
-      <a:fillRef idx="1">
-        <a:scrgbClr r="0" g="0" b="0"/>
-      </a:fillRef>
-      <a:effectRef idx="0">
-        <a:scrgbClr r="0" g="0" b="0"/>
-      </a:effectRef>
-      <a:fontRef idx="minor"/>
-    </dgm:style>
-  </dgm:styleLbl>
-  <dgm:styleLbl name="solidFgAcc1">
-    <dgm:scene3d>
-      <a:camera prst="orthographicFront"/>
-      <a:lightRig rig="threePt" dir="t"/>
-    </dgm:scene3d>
-    <dgm:sp3d/>
-    <dgm:txPr/>
-    <dgm:style>
-      <a:lnRef idx="2">
-        <a:scrgbClr r="0" g="0" b="0"/>
-      </a:lnRef>
-      <a:fillRef idx="1">
-        <a:scrgbClr r="0" g="0" b="0"/>
-      </a:fillRef>
-      <a:effectRef idx="0">
-        <a:scrgbClr r="0" g="0" b="0"/>
-      </a:effectRef>
-      <a:fontRef idx="minor"/>
-    </dgm:style>
-  </dgm:styleLbl>
-  <dgm:styleLbl name="solidAlignAcc1">
-    <dgm:scene3d>
-      <a:camera prst="orthographicFront"/>
-      <a:lightRig rig="threePt" dir="t"/>
-    </dgm:scene3d>
-    <dgm:sp3d/>
-    <dgm:txPr/>
-    <dgm:style>
-      <a:lnRef idx="2">
-        <a:scrgbClr r="0" g="0" b="0"/>
-      </a:lnRef>
-      <a:fillRef idx="1">
-        <a:scrgbClr r="0" g="0" b="0"/>
-      </a:fillRef>
-      <a:effectRef idx="0">
-        <a:scrgbClr r="0" g="0" b="0"/>
-      </a:effectRef>
-      <a:fontRef idx="minor"/>
-    </dgm:style>
-  </dgm:styleLbl>
-  <dgm:styleLbl name="solidBgAcc1">
-    <dgm:scene3d>
-      <a:camera prst="orthographicFront"/>
-      <a:lightRig rig="threePt" dir="t"/>
-    </dgm:scene3d>
-    <dgm:sp3d/>
-    <dgm:txPr/>
-    <dgm:style>
-      <a:lnRef idx="2">
-        <a:scrgbClr r="0" g="0" b="0"/>
-      </a:lnRef>
-      <a:fillRef idx="1">
-        <a:scrgbClr r="0" g="0" b="0"/>
-      </a:fillRef>
-      <a:effectRef idx="0">
-        <a:scrgbClr r="0" g="0" b="0"/>
-      </a:effectRef>
-      <a:fontRef idx="minor"/>
-    </dgm:style>
-  </dgm:styleLbl>
-  <dgm:styleLbl name="fgAccFollowNode1">
-    <dgm:scene3d>
-      <a:camera prst="orthographicFront"/>
-      <a:lightRig rig="threePt" dir="t"/>
-    </dgm:scene3d>
-    <dgm:sp3d/>
-    <dgm:txPr/>
-    <dgm:style>
-      <a:lnRef idx="2">
-        <a:scrgbClr r="0" g="0" b="0"/>
-      </a:lnRef>
-      <a:fillRef idx="1">
-        <a:scrgbClr r="0" g="0" b="0"/>
-      </a:fillRef>
-      <a:effectRef idx="0">
-        <a:scrgbClr r="0" g="0" b="0"/>
-      </a:effectRef>
-      <a:fontRef idx="minor"/>
-    </dgm:style>
-  </dgm:styleLbl>
-  <dgm:styleLbl name="alignAccFollowNode1">
-    <dgm:scene3d>
-      <a:camera prst="orthographicFront"/>
-      <a:lightRig rig="threePt" dir="t"/>
-    </dgm:scene3d>
-    <dgm:sp3d/>
-    <dgm:txPr/>
-    <dgm:style>
-      <a:lnRef idx="2">
-        <a:scrgbClr r="0" g="0" b="0"/>
-      </a:lnRef>
-      <a:fillRef idx="1">
-        <a:scrgbClr r="0" g="0" b="0"/>
-      </a:fillRef>
-      <a:effectRef idx="0">
-        <a:scrgbClr r="0" g="0" b="0"/>
-      </a:effectRef>
-      <a:fontRef idx="minor"/>
-    </dgm:style>
-  </dgm:styleLbl>
-  <dgm:styleLbl name="bgAccFollowNode1">
-    <dgm:scene3d>
-      <a:camera prst="orthographicFront"/>
-      <a:lightRig rig="threePt" dir="t"/>
-    </dgm:scene3d>
-    <dgm:sp3d/>
-    <dgm:txPr/>
-    <dgm:style>
-      <a:lnRef idx="2">
-        <a:scrgbClr r="0" g="0" b="0"/>
-      </a:lnRef>
-      <a:fillRef idx="1">
-        <a:scrgbClr r="0" g="0" b="0"/>
-      </a:fillRef>
-      <a:effectRef idx="0">
-        <a:scrgbClr r="0" g="0" b="0"/>
-      </a:effectRef>
-      <a:fontRef idx="minor"/>
-    </dgm:style>
-  </dgm:styleLbl>
-  <dgm:styleLbl name="fgAcc0">
-    <dgm:scene3d>
-      <a:camera prst="orthographicFront"/>
-      <a:lightRig rig="threePt" dir="t"/>
-    </dgm:scene3d>
-    <dgm:sp3d/>
-    <dgm:txPr/>
-    <dgm:style>
-      <a:lnRef idx="2">
-        <a:scrgbClr r="0" g="0" b="0"/>
-      </a:lnRef>
-      <a:fillRef idx="1">
-        <a:scrgbClr r="0" g="0" b="0"/>
-      </a:fillRef>
-      <a:effectRef idx="0">
-        <a:scrgbClr r="0" g="0" b="0"/>
-      </a:effectRef>
-      <a:fontRef idx="minor"/>
-    </dgm:style>
-  </dgm:styleLbl>
-  <dgm:styleLbl name="fgAcc2">
-    <dgm:scene3d>
-      <a:camera prst="orthographicFront"/>
-      <a:lightRig rig="threePt" dir="t"/>
-    </dgm:scene3d>
-    <dgm:sp3d/>
-    <dgm:txPr/>
-    <dgm:style>
-      <a:lnRef idx="2">
-        <a:scrgbClr r="0" g="0" b="0"/>
-      </a:lnRef>
-      <a:fillRef idx="1">
-        <a:scrgbClr r="0" g="0" b="0"/>
-      </a:fillRef>
-      <a:effectRef idx="0">
-        <a:scrgbClr r="0" g="0" b="0"/>
-      </a:effectRef>
-      <a:fontRef idx="minor"/>
-    </dgm:style>
-  </dgm:styleLbl>
-  <dgm:styleLbl name="fgAcc3">
-    <dgm:scene3d>
-      <a:camera prst="orthographicFront"/>
-      <a:lightRig rig="threePt" dir="t"/>
-    </dgm:scene3d>
-    <dgm:sp3d/>
-    <dgm:txPr/>
-    <dgm:style>
-      <a:lnRef idx="2">
-        <a:scrgbClr r="0" g="0" b="0"/>
-      </a:lnRef>
-      <a:fillRef idx="1">
-        <a:scrgbClr r="0" g="0" b="0"/>
-      </a:fillRef>
-      <a:effectRef idx="0">
-        <a:scrgbClr r="0" g="0" b="0"/>
-      </a:effectRef>
-      <a:fontRef idx="minor"/>
-    </dgm:style>
-  </dgm:styleLbl>
-  <dgm:styleLbl name="fgAcc4">
-    <dgm:scene3d>
-      <a:camera prst="orthographicFront"/>
-      <a:lightRig rig="threePt" dir="t"/>
-    </dgm:scene3d>
-    <dgm:sp3d/>
-    <dgm:txPr/>
-    <dgm:style>
-      <a:lnRef idx="2">
-        <a:scrgbClr r="0" g="0" b="0"/>
-      </a:lnRef>
-      <a:fillRef idx="1">
-        <a:scrgbClr r="0" g="0" b="0"/>
-      </a:fillRef>
-      <a:effectRef idx="0">
-        <a:scrgbClr r="0" g="0" b="0"/>
-      </a:effectRef>
-      <a:fontRef idx="minor"/>
-    </dgm:style>
-  </dgm:styleLbl>
-  <dgm:styleLbl name="bgShp">
-    <dgm:scene3d>
-      <a:camera prst="orthographicFront"/>
-      <a:lightRig rig="threePt" dir="t"/>
-    </dgm:scene3d>
-    <dgm:sp3d/>
-    <dgm:txPr/>
-    <dgm:style>
-      <a:lnRef idx="0">
-        <a:scrgbClr r="0" g="0" b="0"/>
-      </a:lnRef>
-      <a:fillRef idx="1">
-        <a:scrgbClr r="0" g="0" b="0"/>
-      </a:fillRef>
-      <a:effectRef idx="0">
-        <a:scrgbClr r="0" g="0" b="0"/>
-      </a:effectRef>
-      <a:fontRef idx="minor"/>
-    </dgm:style>
-  </dgm:styleLbl>
-  <dgm:styleLbl name="dkBgShp">
-    <dgm:scene3d>
-      <a:camera prst="orthographicFront"/>
-      <a:lightRig rig="threePt" dir="t"/>
-    </dgm:scene3d>
-    <dgm:sp3d/>
-    <dgm:txPr/>
-    <dgm:style>
-      <a:lnRef idx="0">
-        <a:scrgbClr r="0" g="0" b="0"/>
-      </a:lnRef>
-      <a:fillRef idx="1">
-        <a:scrgbClr r="0" g="0" b="0"/>
-      </a:fillRef>
-      <a:effectRef idx="0">
-        <a:scrgbClr r="0" g="0" b="0"/>
-      </a:effectRef>
-      <a:fontRef idx="minor"/>
-    </dgm:style>
-  </dgm:styleLbl>
-  <dgm:styleLbl name="trBgShp">
-    <dgm:scene3d>
-      <a:camera prst="orthographicFront"/>
-      <a:lightRig rig="threePt" dir="t"/>
-    </dgm:scene3d>
-    <dgm:sp3d/>
-    <dgm:txPr/>
-    <dgm:style>
-      <a:lnRef idx="0">
-        <a:scrgbClr r="0" g="0" b="0"/>
-      </a:lnRef>
-      <a:fillRef idx="1">
-        <a:scrgbClr r="0" g="0" b="0"/>
-      </a:fillRef>
-      <a:effectRef idx="0">
-        <a:scrgbClr r="0" g="0" b="0"/>
-      </a:effectRef>
-      <a:fontRef idx="minor"/>
-    </dgm:style>
-  </dgm:styleLbl>
-  <dgm:styleLbl name="fgShp">
-    <dgm:scene3d>
-      <a:camera prst="orthographicFront"/>
-      <a:lightRig rig="threePt" dir="t"/>
-    </dgm:scene3d>
-    <dgm:sp3d/>
-    <dgm:txPr/>
-    <dgm:style>
-      <a:lnRef idx="2">
-        <a:scrgbClr r="0" g="0" b="0"/>
-      </a:lnRef>
-      <a:fillRef idx="1">
-        <a:scrgbClr r="0" g="0" b="0"/>
-      </a:fillRef>
-      <a:effectRef idx="0">
-        <a:scrgbClr r="0" g="0" b="0"/>
-      </a:effectRef>
-      <a:fontRef idx="minor"/>
-    </dgm:style>
-  </dgm:styleLbl>
-  <dgm:styleLbl name="revTx">
-    <dgm:scene3d>
-      <a:camera prst="orthographicFront"/>
-      <a:lightRig rig="threePt" dir="t"/>
-    </dgm:scene3d>
-    <dgm:sp3d/>
-    <dgm:txPr/>
-    <dgm:style>
-      <a:lnRef idx="0">
-        <a:scrgbClr r="0" g="0" b="0"/>
-      </a:lnRef>
-      <a:fillRef idx="0">
-        <a:scrgbClr r="0" g="0" b="0"/>
-      </a:fillRef>
-      <a:effectRef idx="0">
-        <a:scrgbClr r="0" g="0" b="0"/>
-      </a:effectRef>
-      <a:fontRef idx="minor"/>
-    </dgm:style>
-  </dgm:styleLbl>
-</dgm:styleDef>
-</file>
-
-<file path=ppt/diagrams/quickStyle3.xml><?xml version="1.0" encoding="utf-8"?>
 <dgm:styleDef xmlns:dgm="http://schemas.openxmlformats.org/drawingml/2006/diagram" xmlns:a="http://schemas.openxmlformats.org/drawingml/2006/main" uniqueId="urn:microsoft.com/office/officeart/2005/8/quickstyle/simple1">
   <dgm:title val=""/>
   <dgm:desc val=""/>
@@ -7817,7 +5757,7 @@
             <a:fld id="{B61BEF0D-F0BB-DE4B-95CE-6DB70DBA9567}" type="datetimeFigureOut">
               <a:rPr lang="en-US" dirty="0"/>
               <a:pPr/>
-              <a:t>10/13/2021</a:t>
+              <a:t>11/5/2021</a:t>
             </a:fld>
             <a:endParaRPr lang="en-US" dirty="0"/>
           </a:p>
@@ -8148,7 +6088,7 @@
             <a:fld id="{B61BEF0D-F0BB-DE4B-95CE-6DB70DBA9567}" type="datetimeFigureOut">
               <a:rPr lang="en-US" dirty="0"/>
               <a:pPr/>
-              <a:t>10/13/2021</a:t>
+              <a:t>11/5/2021</a:t>
             </a:fld>
             <a:endParaRPr lang="en-US" dirty="0"/>
           </a:p>
@@ -8423,7 +6363,7 @@
             <a:fld id="{B61BEF0D-F0BB-DE4B-95CE-6DB70DBA9567}" type="datetimeFigureOut">
               <a:rPr lang="en-US" dirty="0"/>
               <a:pPr/>
-              <a:t>10/13/2021</a:t>
+              <a:t>11/5/2021</a:t>
             </a:fld>
             <a:endParaRPr lang="en-US" dirty="0"/>
           </a:p>
@@ -8988,7 +6928,7 @@
             <a:fld id="{B61BEF0D-F0BB-DE4B-95CE-6DB70DBA9567}" type="datetimeFigureOut">
               <a:rPr lang="en-US" dirty="0"/>
               <a:pPr/>
-              <a:t>10/13/2021</a:t>
+              <a:t>11/5/2021</a:t>
             </a:fld>
             <a:endParaRPr lang="en-US" dirty="0"/>
           </a:p>
@@ -9263,7 +7203,7 @@
             <a:fld id="{B61BEF0D-F0BB-DE4B-95CE-6DB70DBA9567}" type="datetimeFigureOut">
               <a:rPr lang="en-US" dirty="0"/>
               <a:pPr/>
-              <a:t>10/13/2021</a:t>
+              <a:t>11/5/2021</a:t>
             </a:fld>
             <a:endParaRPr lang="en-US" dirty="0"/>
           </a:p>
@@ -9822,7 +7762,7 @@
             <a:fld id="{B61BEF0D-F0BB-DE4B-95CE-6DB70DBA9567}" type="datetimeFigureOut">
               <a:rPr lang="en-US" dirty="0"/>
               <a:pPr/>
-              <a:t>10/13/2021</a:t>
+              <a:t>11/5/2021</a:t>
             </a:fld>
             <a:endParaRPr lang="en-US" dirty="0"/>
           </a:p>
@@ -10146,7 +8086,7 @@
             <a:fld id="{B61BEF0D-F0BB-DE4B-95CE-6DB70DBA9567}" type="datetimeFigureOut">
               <a:rPr lang="en-US" dirty="0"/>
               <a:pPr/>
-              <a:t>10/13/2021</a:t>
+              <a:t>11/5/2021</a:t>
             </a:fld>
             <a:endParaRPr lang="en-US" dirty="0"/>
           </a:p>
@@ -10320,7 +8260,7 @@
             <a:fld id="{B61BEF0D-F0BB-DE4B-95CE-6DB70DBA9567}" type="datetimeFigureOut">
               <a:rPr lang="en-US" dirty="0"/>
               <a:pPr/>
-              <a:t>10/13/2021</a:t>
+              <a:t>11/5/2021</a:t>
             </a:fld>
             <a:endParaRPr lang="en-US" dirty="0"/>
           </a:p>
@@ -10555,7 +8495,7 @@
             <a:fld id="{B61BEF0D-F0BB-DE4B-95CE-6DB70DBA9567}" type="datetimeFigureOut">
               <a:rPr lang="en-US" dirty="0"/>
               <a:pPr/>
-              <a:t>10/13/2021</a:t>
+              <a:t>11/5/2021</a:t>
             </a:fld>
             <a:endParaRPr lang="en-US" dirty="0"/>
           </a:p>
@@ -10752,7 +8692,7 @@
             <a:fld id="{B61BEF0D-F0BB-DE4B-95CE-6DB70DBA9567}" type="datetimeFigureOut">
               <a:rPr lang="en-US" dirty="0"/>
               <a:pPr/>
-              <a:t>10/13/2021</a:t>
+              <a:t>11/5/2021</a:t>
             </a:fld>
             <a:endParaRPr lang="en-US" dirty="0"/>
           </a:p>
@@ -11025,7 +8965,7 @@
             <a:fld id="{B61BEF0D-F0BB-DE4B-95CE-6DB70DBA9567}" type="datetimeFigureOut">
               <a:rPr lang="en-US" dirty="0"/>
               <a:pPr/>
-              <a:t>10/13/2021</a:t>
+              <a:t>11/5/2021</a:t>
             </a:fld>
             <a:endParaRPr lang="en-US" dirty="0"/>
           </a:p>
@@ -11288,7 +9228,7 @@
             <a:fld id="{B61BEF0D-F0BB-DE4B-95CE-6DB70DBA9567}" type="datetimeFigureOut">
               <a:rPr lang="en-US" dirty="0"/>
               <a:pPr/>
-              <a:t>10/13/2021</a:t>
+              <a:t>11/5/2021</a:t>
             </a:fld>
             <a:endParaRPr lang="en-US" dirty="0"/>
           </a:p>
@@ -11659,7 +9599,7 @@
             <a:fld id="{B61BEF0D-F0BB-DE4B-95CE-6DB70DBA9567}" type="datetimeFigureOut">
               <a:rPr lang="en-US" dirty="0"/>
               <a:pPr/>
-              <a:t>10/13/2021</a:t>
+              <a:t>11/5/2021</a:t>
             </a:fld>
             <a:endParaRPr lang="en-US" dirty="0"/>
           </a:p>
@@ -11804,7 +9744,7 @@
             <a:fld id="{B61BEF0D-F0BB-DE4B-95CE-6DB70DBA9567}" type="datetimeFigureOut">
               <a:rPr lang="en-US" dirty="0"/>
               <a:pPr/>
-              <a:t>10/13/2021</a:t>
+              <a:t>11/5/2021</a:t>
             </a:fld>
             <a:endParaRPr lang="en-US" dirty="0"/>
           </a:p>
@@ -11926,7 +9866,7 @@
             <a:fld id="{B61BEF0D-F0BB-DE4B-95CE-6DB70DBA9567}" type="datetimeFigureOut">
               <a:rPr lang="en-US" dirty="0"/>
               <a:pPr/>
-              <a:t>10/13/2021</a:t>
+              <a:t>11/5/2021</a:t>
             </a:fld>
             <a:endParaRPr lang="en-US" dirty="0"/>
           </a:p>
@@ -12208,7 +10148,7 @@
             <a:fld id="{B61BEF0D-F0BB-DE4B-95CE-6DB70DBA9567}" type="datetimeFigureOut">
               <a:rPr lang="en-US" dirty="0"/>
               <a:pPr/>
-              <a:t>10/13/2021</a:t>
+              <a:t>11/5/2021</a:t>
             </a:fld>
             <a:endParaRPr lang="en-US" dirty="0"/>
           </a:p>
@@ -12529,7 +10469,7 @@
             <a:fld id="{B61BEF0D-F0BB-DE4B-95CE-6DB70DBA9567}" type="datetimeFigureOut">
               <a:rPr lang="en-US" dirty="0"/>
               <a:pPr/>
-              <a:t>10/13/2021</a:t>
+              <a:t>11/5/2021</a:t>
             </a:fld>
             <a:endParaRPr lang="en-US" dirty="0"/>
           </a:p>
@@ -12740,7 +10680,7 @@
             <a:fld id="{B61BEF0D-F0BB-DE4B-95CE-6DB70DBA9567}" type="datetimeFigureOut">
               <a:rPr lang="en-US" dirty="0"/>
               <a:pPr/>
-              <a:t>10/13/2021</a:t>
+              <a:t>11/5/2021</a:t>
             </a:fld>
             <a:endParaRPr lang="en-US" dirty="0"/>
           </a:p>
@@ -16128,7 +14068,7 @@
             <p:ph idx="1"/>
             <p:extLst>
               <p:ext uri="{D42A27DB-BD31-4B8C-83A1-F6EECF244321}">
-                <p14:modId xmlns:p14="http://schemas.microsoft.com/office/powerpoint/2010/main" val="328008220"/>
+                <p14:modId xmlns:p14="http://schemas.microsoft.com/office/powerpoint/2010/main" val="1168482035"/>
               </p:ext>
             </p:extLst>
           </p:nvPr>
@@ -16140,36 +14080,6 @@
         <a:graphic>
           <a:graphicData uri="http://schemas.openxmlformats.org/drawingml/2006/diagram">
             <dgm:relIds xmlns:dgm="http://schemas.openxmlformats.org/drawingml/2006/diagram" xmlns:r="http://schemas.openxmlformats.org/officeDocument/2006/relationships" r:dm="rId2" r:lo="rId3" r:qs="rId4" r:cs="rId5"/>
-          </a:graphicData>
-        </a:graphic>
-      </p:graphicFrame>
-      <p:graphicFrame>
-        <p:nvGraphicFramePr>
-          <p:cNvPr id="6" name="內容版面配置區 3">
-            <a:extLst>
-              <a:ext uri="{FF2B5EF4-FFF2-40B4-BE49-F238E27FC236}">
-                <a16:creationId xmlns:a16="http://schemas.microsoft.com/office/drawing/2014/main" id="{6CF7BC67-F1F3-469C-B072-B38D3F46C0A9}"/>
-              </a:ext>
-            </a:extLst>
-          </p:cNvPr>
-          <p:cNvGraphicFramePr>
-            <a:graphicFrameLocks/>
-          </p:cNvGraphicFramePr>
-          <p:nvPr>
-            <p:extLst>
-              <p:ext uri="{D42A27DB-BD31-4B8C-83A1-F6EECF244321}">
-                <p14:modId xmlns:p14="http://schemas.microsoft.com/office/powerpoint/2010/main" val="4083454231"/>
-              </p:ext>
-            </p:extLst>
-          </p:nvPr>
-        </p:nvGraphicFramePr>
-        <p:xfrm>
-          <a:off x="678810" y="2361050"/>
-          <a:ext cx="3844254" cy="3649662"/>
-        </p:xfrm>
-        <a:graphic>
-          <a:graphicData uri="http://schemas.openxmlformats.org/drawingml/2006/diagram">
-            <dgm:relIds xmlns:dgm="http://schemas.openxmlformats.org/drawingml/2006/diagram" xmlns:r="http://schemas.openxmlformats.org/officeDocument/2006/relationships" r:dm="rId7" r:lo="rId8" r:qs="rId9" r:cs="rId10"/>
           </a:graphicData>
         </a:graphic>
       </p:graphicFrame>

--- a/lab02/00-lab02.pptx
+++ b/lab02/00-lab02.pptx
@@ -5757,7 +5757,7 @@
             <a:fld id="{B61BEF0D-F0BB-DE4B-95CE-6DB70DBA9567}" type="datetimeFigureOut">
               <a:rPr lang="en-US" dirty="0"/>
               <a:pPr/>
-              <a:t>11/5/2021</a:t>
+              <a:t>11/15/2021</a:t>
             </a:fld>
             <a:endParaRPr lang="en-US" dirty="0"/>
           </a:p>
@@ -6088,7 +6088,7 @@
             <a:fld id="{B61BEF0D-F0BB-DE4B-95CE-6DB70DBA9567}" type="datetimeFigureOut">
               <a:rPr lang="en-US" dirty="0"/>
               <a:pPr/>
-              <a:t>11/5/2021</a:t>
+              <a:t>11/15/2021</a:t>
             </a:fld>
             <a:endParaRPr lang="en-US" dirty="0"/>
           </a:p>
@@ -6363,7 +6363,7 @@
             <a:fld id="{B61BEF0D-F0BB-DE4B-95CE-6DB70DBA9567}" type="datetimeFigureOut">
               <a:rPr lang="en-US" dirty="0"/>
               <a:pPr/>
-              <a:t>11/5/2021</a:t>
+              <a:t>11/15/2021</a:t>
             </a:fld>
             <a:endParaRPr lang="en-US" dirty="0"/>
           </a:p>
@@ -6928,7 +6928,7 @@
             <a:fld id="{B61BEF0D-F0BB-DE4B-95CE-6DB70DBA9567}" type="datetimeFigureOut">
               <a:rPr lang="en-US" dirty="0"/>
               <a:pPr/>
-              <a:t>11/5/2021</a:t>
+              <a:t>11/15/2021</a:t>
             </a:fld>
             <a:endParaRPr lang="en-US" dirty="0"/>
           </a:p>
@@ -7203,7 +7203,7 @@
             <a:fld id="{B61BEF0D-F0BB-DE4B-95CE-6DB70DBA9567}" type="datetimeFigureOut">
               <a:rPr lang="en-US" dirty="0"/>
               <a:pPr/>
-              <a:t>11/5/2021</a:t>
+              <a:t>11/15/2021</a:t>
             </a:fld>
             <a:endParaRPr lang="en-US" dirty="0"/>
           </a:p>
@@ -7762,7 +7762,7 @@
             <a:fld id="{B61BEF0D-F0BB-DE4B-95CE-6DB70DBA9567}" type="datetimeFigureOut">
               <a:rPr lang="en-US" dirty="0"/>
               <a:pPr/>
-              <a:t>11/5/2021</a:t>
+              <a:t>11/15/2021</a:t>
             </a:fld>
             <a:endParaRPr lang="en-US" dirty="0"/>
           </a:p>
@@ -8086,7 +8086,7 @@
             <a:fld id="{B61BEF0D-F0BB-DE4B-95CE-6DB70DBA9567}" type="datetimeFigureOut">
               <a:rPr lang="en-US" dirty="0"/>
               <a:pPr/>
-              <a:t>11/5/2021</a:t>
+              <a:t>11/15/2021</a:t>
             </a:fld>
             <a:endParaRPr lang="en-US" dirty="0"/>
           </a:p>
@@ -8260,7 +8260,7 @@
             <a:fld id="{B61BEF0D-F0BB-DE4B-95CE-6DB70DBA9567}" type="datetimeFigureOut">
               <a:rPr lang="en-US" dirty="0"/>
               <a:pPr/>
-              <a:t>11/5/2021</a:t>
+              <a:t>11/15/2021</a:t>
             </a:fld>
             <a:endParaRPr lang="en-US" dirty="0"/>
           </a:p>
@@ -8495,7 +8495,7 @@
             <a:fld id="{B61BEF0D-F0BB-DE4B-95CE-6DB70DBA9567}" type="datetimeFigureOut">
               <a:rPr lang="en-US" dirty="0"/>
               <a:pPr/>
-              <a:t>11/5/2021</a:t>
+              <a:t>11/15/2021</a:t>
             </a:fld>
             <a:endParaRPr lang="en-US" dirty="0"/>
           </a:p>
@@ -8692,7 +8692,7 @@
             <a:fld id="{B61BEF0D-F0BB-DE4B-95CE-6DB70DBA9567}" type="datetimeFigureOut">
               <a:rPr lang="en-US" dirty="0"/>
               <a:pPr/>
-              <a:t>11/5/2021</a:t>
+              <a:t>11/15/2021</a:t>
             </a:fld>
             <a:endParaRPr lang="en-US" dirty="0"/>
           </a:p>
@@ -8965,7 +8965,7 @@
             <a:fld id="{B61BEF0D-F0BB-DE4B-95CE-6DB70DBA9567}" type="datetimeFigureOut">
               <a:rPr lang="en-US" dirty="0"/>
               <a:pPr/>
-              <a:t>11/5/2021</a:t>
+              <a:t>11/15/2021</a:t>
             </a:fld>
             <a:endParaRPr lang="en-US" dirty="0"/>
           </a:p>
@@ -9228,7 +9228,7 @@
             <a:fld id="{B61BEF0D-F0BB-DE4B-95CE-6DB70DBA9567}" type="datetimeFigureOut">
               <a:rPr lang="en-US" dirty="0"/>
               <a:pPr/>
-              <a:t>11/5/2021</a:t>
+              <a:t>11/15/2021</a:t>
             </a:fld>
             <a:endParaRPr lang="en-US" dirty="0"/>
           </a:p>
@@ -9599,7 +9599,7 @@
             <a:fld id="{B61BEF0D-F0BB-DE4B-95CE-6DB70DBA9567}" type="datetimeFigureOut">
               <a:rPr lang="en-US" dirty="0"/>
               <a:pPr/>
-              <a:t>11/5/2021</a:t>
+              <a:t>11/15/2021</a:t>
             </a:fld>
             <a:endParaRPr lang="en-US" dirty="0"/>
           </a:p>
@@ -9744,7 +9744,7 @@
             <a:fld id="{B61BEF0D-F0BB-DE4B-95CE-6DB70DBA9567}" type="datetimeFigureOut">
               <a:rPr lang="en-US" dirty="0"/>
               <a:pPr/>
-              <a:t>11/5/2021</a:t>
+              <a:t>11/15/2021</a:t>
             </a:fld>
             <a:endParaRPr lang="en-US" dirty="0"/>
           </a:p>
@@ -9866,7 +9866,7 @@
             <a:fld id="{B61BEF0D-F0BB-DE4B-95CE-6DB70DBA9567}" type="datetimeFigureOut">
               <a:rPr lang="en-US" dirty="0"/>
               <a:pPr/>
-              <a:t>11/5/2021</a:t>
+              <a:t>11/15/2021</a:t>
             </a:fld>
             <a:endParaRPr lang="en-US" dirty="0"/>
           </a:p>
@@ -10148,7 +10148,7 @@
             <a:fld id="{B61BEF0D-F0BB-DE4B-95CE-6DB70DBA9567}" type="datetimeFigureOut">
               <a:rPr lang="en-US" dirty="0"/>
               <a:pPr/>
-              <a:t>11/5/2021</a:t>
+              <a:t>11/15/2021</a:t>
             </a:fld>
             <a:endParaRPr lang="en-US" dirty="0"/>
           </a:p>
@@ -10469,7 +10469,7 @@
             <a:fld id="{B61BEF0D-F0BB-DE4B-95CE-6DB70DBA9567}" type="datetimeFigureOut">
               <a:rPr lang="en-US" dirty="0"/>
               <a:pPr/>
-              <a:t>11/5/2021</a:t>
+              <a:t>11/15/2021</a:t>
             </a:fld>
             <a:endParaRPr lang="en-US" dirty="0"/>
           </a:p>
@@ -10680,7 +10680,7 @@
             <a:fld id="{B61BEF0D-F0BB-DE4B-95CE-6DB70DBA9567}" type="datetimeFigureOut">
               <a:rPr lang="en-US" dirty="0"/>
               <a:pPr/>
-              <a:t>11/5/2021</a:t>
+              <a:t>11/15/2021</a:t>
             </a:fld>
             <a:endParaRPr lang="en-US" dirty="0"/>
           </a:p>
@@ -12758,15 +12758,14 @@
             </a:r>
             <a:r>
               <a:rPr lang="en-US" altLang="zh-TW" dirty="0"/>
-              <a:t> .. &amp;&amp; make –j</a:t>
-            </a:r>
-          </a:p>
-          <a:p>
-            <a:r>
-              <a:rPr lang="en-US" altLang="zh-TW"/>
+              <a:t> .. &amp;&amp; make -j</a:t>
+            </a:r>
+          </a:p>
+          <a:p>
+            <a:r>
+              <a:rPr lang="en-US" altLang="zh-TW" dirty="0"/>
               <a:t>cd ..</a:t>
             </a:r>
-            <a:endParaRPr lang="en-US" altLang="zh-TW" dirty="0"/>
           </a:p>
           <a:p>
             <a:r>
@@ -12775,13 +12774,13 @@
             </a:r>
             <a:r>
               <a:rPr lang="en-US" altLang="zh-TW" dirty="0"/>
-              <a:t> ../lib</a:t>
+              <a:t> lib</a:t>
             </a:r>
           </a:p>
           <a:p>
             <a:r>
               <a:rPr lang="en-US" altLang="zh-TW" dirty="0"/>
-              <a:t>mv </a:t>
+              <a:t>mv build/</a:t>
             </a:r>
             <a:r>
               <a:rPr lang="en-US" altLang="zh-TW" dirty="0" err="1"/>
